--- a/안드로이드_발표용_김다빈, 이상규, 차혜연.pptx
+++ b/안드로이드_발표용_김다빈, 이상규, 차혜연.pptx
@@ -5,7 +5,7 @@
     <p:sldMasterId id="2147483648" r:id="rId1"/>
   </p:sldMasterIdLst>
   <p:notesMasterIdLst>
-    <p:notesMasterId r:id="rId15"/>
+    <p:notesMasterId r:id="rId18"/>
   </p:notesMasterIdLst>
   <p:sldIdLst>
     <p:sldId id="256" r:id="rId2"/>
@@ -19,8 +19,11 @@
     <p:sldId id="266" r:id="rId10"/>
     <p:sldId id="265" r:id="rId11"/>
     <p:sldId id="263" r:id="rId12"/>
-    <p:sldId id="268" r:id="rId13"/>
-    <p:sldId id="269" r:id="rId14"/>
+    <p:sldId id="273" r:id="rId13"/>
+    <p:sldId id="274" r:id="rId14"/>
+    <p:sldId id="272" r:id="rId15"/>
+    <p:sldId id="268" r:id="rId16"/>
+    <p:sldId id="269" r:id="rId17"/>
   </p:sldIdLst>
   <p:sldSz cx="12192000" cy="6858000"/>
   <p:notesSz cx="6858000" cy="9144000"/>
@@ -1861,7 +1864,7 @@
           </a:ln>
           <a:extLst>
             <a:ext uri="{C572A759-6A51-4108-AA02-DFA0A04FC94B}">
-              <ma14:wrappingTextBoxFlag xmlns:ma14="http://schemas.microsoft.com/office/mac/drawingml/2011/main" xmlns:a14="http://schemas.microsoft.com/office/drawing/2010/main" xmlns:m="http://schemas.openxmlformats.org/officeDocument/2006/math" xmlns="" val="1"/>
+              <ma14:wrappingTextBoxFlag xmlns="" xmlns:m="http://schemas.openxmlformats.org/officeDocument/2006/math" xmlns:a14="http://schemas.microsoft.com/office/drawing/2010/main" xmlns:ma14="http://schemas.microsoft.com/office/mac/drawingml/2011/main" val="1"/>
             </a:ext>
           </a:extLst>
         </p:spPr>
@@ -1912,7 +1915,7 @@
           </a:ln>
           <a:extLst>
             <a:ext uri="{C572A759-6A51-4108-AA02-DFA0A04FC94B}">
-              <ma14:wrappingTextBoxFlag xmlns:ma14="http://schemas.microsoft.com/office/mac/drawingml/2011/main" xmlns:a14="http://schemas.microsoft.com/office/drawing/2010/main" xmlns:m="http://schemas.openxmlformats.org/officeDocument/2006/math" xmlns="" val="1"/>
+              <ma14:wrappingTextBoxFlag xmlns="" xmlns:m="http://schemas.openxmlformats.org/officeDocument/2006/math" xmlns:a14="http://schemas.microsoft.com/office/drawing/2010/main" xmlns:ma14="http://schemas.microsoft.com/office/mac/drawingml/2011/main" val="1"/>
             </a:ext>
           </a:extLst>
         </p:spPr>
@@ -1951,7 +1954,7 @@
           </a:ln>
           <a:extLst>
             <a:ext uri="{C572A759-6A51-4108-AA02-DFA0A04FC94B}">
-              <ma14:wrappingTextBoxFlag xmlns:ma14="http://schemas.microsoft.com/office/mac/drawingml/2011/main" xmlns:a14="http://schemas.microsoft.com/office/drawing/2010/main" xmlns:m="http://schemas.openxmlformats.org/officeDocument/2006/math" xmlns="" val="1"/>
+              <ma14:wrappingTextBoxFlag xmlns="" xmlns:m="http://schemas.openxmlformats.org/officeDocument/2006/math" xmlns:a14="http://schemas.microsoft.com/office/drawing/2010/main" xmlns:ma14="http://schemas.microsoft.com/office/mac/drawingml/2011/main" val="1"/>
             </a:ext>
           </a:extLst>
         </p:spPr>
@@ -2896,7 +2899,7 @@
             <a:effectLst/>
             <a:extLst>
               <a:ext uri="{C572A759-6A51-4108-AA02-DFA0A04FC94B}">
-                <ma14:wrappingTextBoxFlag xmlns:ma14="http://schemas.microsoft.com/office/mac/drawingml/2011/main" xmlns:a14="http://schemas.microsoft.com/office/drawing/2010/main" xmlns:m="http://schemas.openxmlformats.org/officeDocument/2006/math" xmlns="" val="1"/>
+                <ma14:wrappingTextBoxFlag xmlns="" xmlns:m="http://schemas.openxmlformats.org/officeDocument/2006/math" xmlns:a14="http://schemas.microsoft.com/office/drawing/2010/main" xmlns:ma14="http://schemas.microsoft.com/office/mac/drawingml/2011/main" val="1"/>
               </a:ext>
             </a:extLst>
           </p:spPr>
@@ -2989,7 +2992,7 @@
             <a:effectLst/>
             <a:extLst>
               <a:ext uri="{C572A759-6A51-4108-AA02-DFA0A04FC94B}">
-                <ma14:wrappingTextBoxFlag xmlns:ma14="http://schemas.microsoft.com/office/mac/drawingml/2011/main" xmlns:a14="http://schemas.microsoft.com/office/drawing/2010/main" xmlns:m="http://schemas.openxmlformats.org/officeDocument/2006/math" xmlns="" val="1"/>
+                <ma14:wrappingTextBoxFlag xmlns="" xmlns:m="http://schemas.openxmlformats.org/officeDocument/2006/math" xmlns:a14="http://schemas.microsoft.com/office/drawing/2010/main" xmlns:ma14="http://schemas.microsoft.com/office/mac/drawingml/2011/main" val="1"/>
               </a:ext>
             </a:extLst>
           </p:spPr>
@@ -3083,7 +3086,7 @@
           </a:ln>
           <a:extLst>
             <a:ext uri="{C572A759-6A51-4108-AA02-DFA0A04FC94B}">
-              <ma14:wrappingTextBoxFlag xmlns:ma14="http://schemas.microsoft.com/office/mac/drawingml/2011/main" xmlns:a14="http://schemas.microsoft.com/office/drawing/2010/main" xmlns:m="http://schemas.openxmlformats.org/officeDocument/2006/math" xmlns="" val="1"/>
+              <ma14:wrappingTextBoxFlag xmlns="" xmlns:m="http://schemas.openxmlformats.org/officeDocument/2006/math" xmlns:a14="http://schemas.microsoft.com/office/drawing/2010/main" xmlns:ma14="http://schemas.microsoft.com/office/mac/drawingml/2011/main" val="1"/>
             </a:ext>
           </a:extLst>
         </p:spPr>
@@ -3229,7 +3232,7 @@
           </a:ln>
           <a:extLst>
             <a:ext uri="{C572A759-6A51-4108-AA02-DFA0A04FC94B}">
-              <ma14:wrappingTextBoxFlag xmlns:ma14="http://schemas.microsoft.com/office/mac/drawingml/2011/main" xmlns:a14="http://schemas.microsoft.com/office/drawing/2010/main" xmlns:m="http://schemas.openxmlformats.org/officeDocument/2006/math" xmlns="" val="1"/>
+              <ma14:wrappingTextBoxFlag xmlns="" xmlns:m="http://schemas.openxmlformats.org/officeDocument/2006/math" xmlns:a14="http://schemas.microsoft.com/office/drawing/2010/main" xmlns:ma14="http://schemas.microsoft.com/office/mac/drawingml/2011/main" val="1"/>
             </a:ext>
           </a:extLst>
         </p:spPr>
@@ -3301,7 +3304,7 @@
           </a:ln>
           <a:extLst>
             <a:ext uri="{C572A759-6A51-4108-AA02-DFA0A04FC94B}">
-              <ma14:wrappingTextBoxFlag xmlns:ma14="http://schemas.microsoft.com/office/mac/drawingml/2011/main" xmlns:a14="http://schemas.microsoft.com/office/drawing/2010/main" xmlns:m="http://schemas.openxmlformats.org/officeDocument/2006/math" xmlns="" val="1"/>
+              <ma14:wrappingTextBoxFlag xmlns="" xmlns:m="http://schemas.openxmlformats.org/officeDocument/2006/math" xmlns:a14="http://schemas.microsoft.com/office/drawing/2010/main" xmlns:ma14="http://schemas.microsoft.com/office/mac/drawingml/2011/main" val="1"/>
             </a:ext>
           </a:extLst>
         </p:spPr>
@@ -3344,7 +3347,7 @@
           </a:ln>
           <a:extLst>
             <a:ext uri="{C572A759-6A51-4108-AA02-DFA0A04FC94B}">
-              <ma14:wrappingTextBoxFlag xmlns:ma14="http://schemas.microsoft.com/office/mac/drawingml/2011/main" xmlns:a14="http://schemas.microsoft.com/office/drawing/2010/main" xmlns:m="http://schemas.openxmlformats.org/officeDocument/2006/math" xmlns="" val="1"/>
+              <ma14:wrappingTextBoxFlag xmlns="" xmlns:m="http://schemas.openxmlformats.org/officeDocument/2006/math" xmlns:a14="http://schemas.microsoft.com/office/drawing/2010/main" xmlns:ma14="http://schemas.microsoft.com/office/mac/drawingml/2011/main" val="1"/>
             </a:ext>
           </a:extLst>
         </p:spPr>
@@ -3393,7 +3396,7 @@
           </a:ln>
           <a:extLst>
             <a:ext uri="{C572A759-6A51-4108-AA02-DFA0A04FC94B}">
-              <ma14:wrappingTextBoxFlag xmlns:ma14="http://schemas.microsoft.com/office/mac/drawingml/2011/main" xmlns:a14="http://schemas.microsoft.com/office/drawing/2010/main" xmlns:m="http://schemas.openxmlformats.org/officeDocument/2006/math" xmlns="" val="1"/>
+              <ma14:wrappingTextBoxFlag xmlns="" xmlns:m="http://schemas.openxmlformats.org/officeDocument/2006/math" xmlns:a14="http://schemas.microsoft.com/office/drawing/2010/main" xmlns:ma14="http://schemas.microsoft.com/office/mac/drawingml/2011/main" val="1"/>
             </a:ext>
           </a:extLst>
         </p:spPr>
@@ -3469,7 +3472,7 @@
           </a:ln>
           <a:extLst>
             <a:ext uri="{C572A759-6A51-4108-AA02-DFA0A04FC94B}">
-              <ma14:wrappingTextBoxFlag xmlns:ma14="http://schemas.microsoft.com/office/mac/drawingml/2011/main" xmlns:a14="http://schemas.microsoft.com/office/drawing/2010/main" xmlns:m="http://schemas.openxmlformats.org/officeDocument/2006/math" xmlns="" val="1"/>
+              <ma14:wrappingTextBoxFlag xmlns="" xmlns:m="http://schemas.openxmlformats.org/officeDocument/2006/math" xmlns:a14="http://schemas.microsoft.com/office/drawing/2010/main" xmlns:ma14="http://schemas.microsoft.com/office/mac/drawingml/2011/main" val="1"/>
             </a:ext>
           </a:extLst>
         </p:spPr>
@@ -3620,7 +3623,7 @@
       </p:pic>
       <p:pic>
         <p:nvPicPr>
-          <p:cNvPr id="198" name="스크린샷 2019-04-24 오후 12.38.31.png" descr="스크린샷 2019-04-24 오후 12.38.31.png"/>
+          <p:cNvPr id="199" name="스크린샷 2019-04-24 오후 12.40.55.png" descr="스크린샷 2019-04-24 오후 12.40.55.png"/>
           <p:cNvPicPr>
             <a:picLocks noChangeAspect="1"/>
           </p:cNvPicPr>
@@ -3636,35 +3639,6 @@
         </p:blipFill>
         <p:spPr>
           <a:xfrm>
-            <a:off x="8472712" y="1194090"/>
-            <a:ext cx="3097233" cy="4778727"/>
-          </a:xfrm>
-          <a:prstGeom prst="rect">
-            <a:avLst/>
-          </a:prstGeom>
-          <a:ln w="12700">
-            <a:miter lim="400000"/>
-          </a:ln>
-        </p:spPr>
-      </p:pic>
-      <p:pic>
-        <p:nvPicPr>
-          <p:cNvPr id="199" name="스크린샷 2019-04-24 오후 12.40.55.png" descr="스크린샷 2019-04-24 오후 12.40.55.png"/>
-          <p:cNvPicPr>
-            <a:picLocks noChangeAspect="1"/>
-          </p:cNvPicPr>
-          <p:nvPr/>
-        </p:nvPicPr>
-        <p:blipFill>
-          <a:blip r:embed="rId4">
-            <a:extLst/>
-          </a:blip>
-          <a:stretch>
-            <a:fillRect/>
-          </a:stretch>
-        </p:blipFill>
-        <p:spPr>
-          <a:xfrm>
             <a:off x="4679188" y="1194090"/>
             <a:ext cx="3097234" cy="4778727"/>
           </a:xfrm>
@@ -3695,7 +3669,7 @@
           </a:ln>
           <a:extLst>
             <a:ext uri="{C572A759-6A51-4108-AA02-DFA0A04FC94B}">
-              <ma14:wrappingTextBoxFlag xmlns:ma14="http://schemas.microsoft.com/office/mac/drawingml/2011/main" xmlns:a14="http://schemas.microsoft.com/office/drawing/2010/main" xmlns:m="http://schemas.openxmlformats.org/officeDocument/2006/math" xmlns="" val="1"/>
+              <ma14:wrappingTextBoxFlag xmlns="" xmlns:m="http://schemas.openxmlformats.org/officeDocument/2006/math" xmlns:a14="http://schemas.microsoft.com/office/drawing/2010/main" xmlns:ma14="http://schemas.microsoft.com/office/mac/drawingml/2011/main" val="1"/>
             </a:ext>
           </a:extLst>
         </p:spPr>
@@ -3807,7 +3781,7 @@
           </a:ln>
           <a:extLst>
             <a:ext uri="{C572A759-6A51-4108-AA02-DFA0A04FC94B}">
-              <ma14:wrappingTextBoxFlag xmlns:ma14="http://schemas.microsoft.com/office/mac/drawingml/2011/main" xmlns:a14="http://schemas.microsoft.com/office/drawing/2010/main" xmlns:m="http://schemas.openxmlformats.org/officeDocument/2006/math" xmlns="" val="1"/>
+              <ma14:wrappingTextBoxFlag xmlns="" xmlns:m="http://schemas.openxmlformats.org/officeDocument/2006/math" xmlns:a14="http://schemas.microsoft.com/office/drawing/2010/main" xmlns:ma14="http://schemas.microsoft.com/office/mac/drawingml/2011/main" val="1"/>
             </a:ext>
           </a:extLst>
         </p:spPr>
@@ -3869,7 +3843,7 @@
             <a:effectLst/>
             <a:extLst>
               <a:ext uri="{C572A759-6A51-4108-AA02-DFA0A04FC94B}">
-                <ma14:wrappingTextBoxFlag xmlns:ma14="http://schemas.microsoft.com/office/mac/drawingml/2011/main" xmlns:a14="http://schemas.microsoft.com/office/drawing/2010/main" xmlns:m="http://schemas.openxmlformats.org/officeDocument/2006/math" xmlns="" val="1"/>
+                <ma14:wrappingTextBoxFlag xmlns="" xmlns:m="http://schemas.openxmlformats.org/officeDocument/2006/math" xmlns:a14="http://schemas.microsoft.com/office/drawing/2010/main" xmlns:ma14="http://schemas.microsoft.com/office/mac/drawingml/2011/main" val="1"/>
               </a:ext>
             </a:extLst>
           </p:spPr>
@@ -3932,7 +3906,7 @@
             <a:effectLst/>
             <a:extLst>
               <a:ext uri="{C572A759-6A51-4108-AA02-DFA0A04FC94B}">
-                <ma14:wrappingTextBoxFlag xmlns:ma14="http://schemas.microsoft.com/office/mac/drawingml/2011/main" xmlns:a14="http://schemas.microsoft.com/office/drawing/2010/main" xmlns:m="http://schemas.openxmlformats.org/officeDocument/2006/math" xmlns="" val="1"/>
+                <ma14:wrappingTextBoxFlag xmlns="" xmlns:m="http://schemas.openxmlformats.org/officeDocument/2006/math" xmlns:a14="http://schemas.microsoft.com/office/drawing/2010/main" xmlns:ma14="http://schemas.microsoft.com/office/mac/drawingml/2011/main" val="1"/>
               </a:ext>
             </a:extLst>
           </p:spPr>
@@ -3986,7 +3960,7 @@
           </a:ln>
           <a:extLst>
             <a:ext uri="{C572A759-6A51-4108-AA02-DFA0A04FC94B}">
-              <ma14:wrappingTextBoxFlag xmlns:ma14="http://schemas.microsoft.com/office/mac/drawingml/2011/main" xmlns:a14="http://schemas.microsoft.com/office/drawing/2010/main" xmlns:m="http://schemas.openxmlformats.org/officeDocument/2006/math" xmlns="" val="1"/>
+              <ma14:wrappingTextBoxFlag xmlns="" xmlns:m="http://schemas.openxmlformats.org/officeDocument/2006/math" xmlns:a14="http://schemas.microsoft.com/office/drawing/2010/main" xmlns:ma14="http://schemas.microsoft.com/office/mac/drawingml/2011/main" val="1"/>
             </a:ext>
           </a:extLst>
         </p:spPr>
@@ -4044,7 +4018,7 @@
           </a:ln>
           <a:extLst>
             <a:ext uri="{C572A759-6A51-4108-AA02-DFA0A04FC94B}">
-              <ma14:wrappingTextBoxFlag xmlns:ma14="http://schemas.microsoft.com/office/mac/drawingml/2011/main" xmlns:a14="http://schemas.microsoft.com/office/drawing/2010/main" xmlns:m="http://schemas.openxmlformats.org/officeDocument/2006/math" xmlns="" val="1"/>
+              <ma14:wrappingTextBoxFlag xmlns="" xmlns:m="http://schemas.openxmlformats.org/officeDocument/2006/math" xmlns:a14="http://schemas.microsoft.com/office/drawing/2010/main" xmlns:ma14="http://schemas.microsoft.com/office/mac/drawingml/2011/main" val="1"/>
             </a:ext>
           </a:extLst>
         </p:spPr>
@@ -4102,7 +4076,7 @@
           </a:ln>
           <a:extLst>
             <a:ext uri="{C572A759-6A51-4108-AA02-DFA0A04FC94B}">
-              <ma14:wrappingTextBoxFlag xmlns:ma14="http://schemas.microsoft.com/office/mac/drawingml/2011/main" xmlns:a14="http://schemas.microsoft.com/office/drawing/2010/main" xmlns:m="http://schemas.openxmlformats.org/officeDocument/2006/math" xmlns="" val="1"/>
+              <ma14:wrappingTextBoxFlag xmlns="" xmlns:m="http://schemas.openxmlformats.org/officeDocument/2006/math" xmlns:a14="http://schemas.microsoft.com/office/drawing/2010/main" xmlns:ma14="http://schemas.microsoft.com/office/mac/drawingml/2011/main" val="1"/>
             </a:ext>
           </a:extLst>
         </p:spPr>
@@ -4138,6 +4112,92 @@
               </a:rPr>
               <a:t>메인 페이지</a:t>
             </a:r>
+          </a:p>
+        </p:txBody>
+      </p:sp>
+      <p:sp>
+        <p:nvSpPr>
+          <p:cNvPr id="15" name="직사각형 14"/>
+          <p:cNvSpPr/>
+          <p:nvPr/>
+        </p:nvSpPr>
+        <p:spPr>
+          <a:xfrm>
+            <a:off x="8684524" y="1380984"/>
+            <a:ext cx="2691677" cy="4354948"/>
+          </a:xfrm>
+          <a:prstGeom prst="rect">
+            <a:avLst/>
+          </a:prstGeom>
+          <a:blipFill dpi="0" rotWithShape="1">
+            <a:blip r:embed="rId4">
+              <a:extLst>
+                <a:ext uri="{28A0092B-C50C-407E-A947-70E740481C1C}">
+                  <a14:useLocalDpi xmlns:a14="http://schemas.microsoft.com/office/drawing/2010/main" val="0"/>
+                </a:ext>
+              </a:extLst>
+            </a:blip>
+            <a:srcRect/>
+            <a:stretch>
+              <a:fillRect/>
+            </a:stretch>
+          </a:blipFill>
+          <a:ln w="12700" cap="flat">
+            <a:noFill/>
+            <a:prstDash val="solid"/>
+            <a:miter lim="800000"/>
+          </a:ln>
+          <a:effectLst/>
+          <a:sp3d/>
+        </p:spPr>
+        <p:style>
+          <a:lnRef idx="0">
+            <a:scrgbClr r="0" g="0" b="0"/>
+          </a:lnRef>
+          <a:fillRef idx="0">
+            <a:scrgbClr r="0" g="0" b="0"/>
+          </a:fillRef>
+          <a:effectRef idx="0">
+            <a:scrgbClr r="0" g="0" b="0"/>
+          </a:effectRef>
+          <a:fontRef idx="none"/>
+        </p:style>
+        <p:txBody>
+          <a:bodyPr rot="0" spcFirstLastPara="1" vertOverflow="overflow" horzOverflow="overflow" vert="horz" wrap="square" lIns="45719" tIns="45719" rIns="45719" bIns="45719" numCol="1" spcCol="38100" rtlCol="0" anchor="ctr">
+            <a:spAutoFit/>
+          </a:bodyPr>
+          <a:lstStyle/>
+          <a:p>
+            <a:pPr marL="0" marR="0" indent="0" algn="l" defTabSz="914400" rtl="0" fontAlgn="auto" latinLnBrk="0" hangingPunct="0">
+              <a:lnSpc>
+                <a:spcPct val="100000"/>
+              </a:lnSpc>
+              <a:spcBef>
+                <a:spcPts val="0"/>
+              </a:spcBef>
+              <a:spcAft>
+                <a:spcPts val="0"/>
+              </a:spcAft>
+              <a:buClrTx/>
+              <a:buSzTx/>
+              <a:buFontTx/>
+              <a:buNone/>
+              <a:tabLst/>
+            </a:pPr>
+            <a:endParaRPr kumimoji="0" lang="ko-KR" altLang="en-US" sz="1800" b="0" i="0" u="none" strike="noStrike" cap="none" spc="0" normalizeH="0" baseline="0">
+              <a:ln>
+                <a:noFill/>
+              </a:ln>
+              <a:solidFill>
+                <a:srgbClr val="3A3838"/>
+              </a:solidFill>
+              <a:effectLst/>
+              <a:uFillTx/>
+              <a:latin typeface="Arial"/>
+              <a:ea typeface="Arial"/>
+              <a:cs typeface="Arial"/>
+              <a:sym typeface="Arial"/>
+            </a:endParaRPr>
           </a:p>
         </p:txBody>
       </p:sp>
@@ -4167,6 +4227,1860 @@
           <a:chExt cx="0" cy="0"/>
         </a:xfrm>
       </p:grpSpPr>
+      <p:pic>
+        <p:nvPicPr>
+          <p:cNvPr id="197" name="스크린샷 2019-04-24 오후 12.33.32.png"/>
+          <p:cNvPicPr>
+            <a:picLocks noChangeAspect="1"/>
+          </p:cNvPicPr>
+          <p:nvPr/>
+        </p:nvPicPr>
+        <p:blipFill>
+          <a:blip r:embed="rId2">
+            <a:extLst>
+              <a:ext uri="{28A0092B-C50C-407E-A947-70E740481C1C}">
+                <a14:useLocalDpi xmlns:a14="http://schemas.microsoft.com/office/drawing/2010/main" val="0"/>
+              </a:ext>
+            </a:extLst>
+          </a:blip>
+          <a:stretch>
+            <a:fillRect/>
+          </a:stretch>
+        </p:blipFill>
+        <p:spPr>
+          <a:xfrm>
+            <a:off x="1093907" y="1194091"/>
+            <a:ext cx="2680748" cy="4778726"/>
+          </a:xfrm>
+          <a:prstGeom prst="rect">
+            <a:avLst/>
+          </a:prstGeom>
+          <a:ln w="12700">
+            <a:miter lim="400000"/>
+          </a:ln>
+        </p:spPr>
+      </p:pic>
+      <p:pic>
+        <p:nvPicPr>
+          <p:cNvPr id="199" name="스크린샷 2019-04-24 오후 12.40.55.png"/>
+          <p:cNvPicPr>
+            <a:picLocks noChangeAspect="1"/>
+          </p:cNvPicPr>
+          <p:nvPr/>
+        </p:nvPicPr>
+        <p:blipFill>
+          <a:blip r:embed="rId3">
+            <a:extLst>
+              <a:ext uri="{28A0092B-C50C-407E-A947-70E740481C1C}">
+                <a14:useLocalDpi xmlns:a14="http://schemas.microsoft.com/office/drawing/2010/main" val="0"/>
+              </a:ext>
+            </a:extLst>
+          </a:blip>
+          <a:stretch>
+            <a:fillRect/>
+          </a:stretch>
+        </p:blipFill>
+        <p:spPr>
+          <a:xfrm>
+            <a:off x="4884651" y="1194090"/>
+            <a:ext cx="2686307" cy="4778727"/>
+          </a:xfrm>
+          <a:prstGeom prst="rect">
+            <a:avLst/>
+          </a:prstGeom>
+          <a:ln w="12700">
+            <a:miter lim="400000"/>
+          </a:ln>
+        </p:spPr>
+      </p:pic>
+      <p:sp>
+        <p:nvSpPr>
+          <p:cNvPr id="200" name="TextBox 15"/>
+          <p:cNvSpPr txBox="1"/>
+          <p:nvPr/>
+        </p:nvSpPr>
+        <p:spPr>
+          <a:xfrm>
+            <a:off x="9885601" y="6505575"/>
+            <a:ext cx="2236328" cy="239048"/>
+          </a:xfrm>
+          <a:prstGeom prst="rect">
+            <a:avLst/>
+          </a:prstGeom>
+          <a:ln w="12700">
+            <a:miter lim="400000"/>
+          </a:ln>
+          <a:extLst>
+            <a:ext uri="{C572A759-6A51-4108-AA02-DFA0A04FC94B}">
+              <ma14:wrappingTextBoxFlag xmlns="" xmlns:m="http://schemas.openxmlformats.org/officeDocument/2006/math" xmlns:a14="http://schemas.microsoft.com/office/drawing/2010/main" xmlns:ma14="http://schemas.microsoft.com/office/mac/drawingml/2011/main" val="1"/>
+            </a:ext>
+          </a:extLst>
+        </p:spPr>
+        <p:txBody>
+          <a:bodyPr wrap="none" lIns="45719" rIns="45719">
+            <a:spAutoFit/>
+          </a:bodyPr>
+          <a:lstStyle>
+            <a:lvl1pPr algn="r">
+              <a:defRPr sz="800">
+                <a:solidFill>
+                  <a:schemeClr val="accent6"/>
+                </a:solidFill>
+                <a:latin typeface="나눔스퀘어라운드 Regular"/>
+                <a:ea typeface="나눔스퀘어라운드 Regular"/>
+                <a:cs typeface="나눔스퀘어라운드 Regular"/>
+                <a:sym typeface="나눔스퀘어라운드 Regular"/>
+              </a:defRPr>
+            </a:lvl1pPr>
+          </a:lstStyle>
+          <a:p>
+            <a:r>
+              <a:t>Copyrightⓒ. Saebyeol Yu. All Rights Reserved.</a:t>
+            </a:r>
+          </a:p>
+        </p:txBody>
+      </p:sp>
+      <p:sp>
+        <p:nvSpPr>
+          <p:cNvPr id="201" name="직선 연결선 22"/>
+          <p:cNvSpPr/>
+          <p:nvPr/>
+        </p:nvSpPr>
+        <p:spPr>
+          <a:xfrm>
+            <a:off x="1188881" y="273124"/>
+            <a:ext cx="10666422" cy="1"/>
+          </a:xfrm>
+          <a:prstGeom prst="line">
+            <a:avLst/>
+          </a:prstGeom>
+          <a:ln w="19050">
+            <a:solidFill>
+              <a:schemeClr val="accent6"/>
+            </a:solidFill>
+            <a:miter/>
+          </a:ln>
+        </p:spPr>
+        <p:txBody>
+          <a:bodyPr lIns="45719" rIns="45719"/>
+          <a:lstStyle/>
+          <a:p>
+            <a:endParaRPr/>
+          </a:p>
+        </p:txBody>
+      </p:sp>
+      <p:sp>
+        <p:nvSpPr>
+          <p:cNvPr id="202" name="직사각형 23"/>
+          <p:cNvSpPr/>
+          <p:nvPr/>
+        </p:nvSpPr>
+        <p:spPr>
+          <a:xfrm>
+            <a:off x="265814" y="244548"/>
+            <a:ext cx="720001" cy="720001"/>
+          </a:xfrm>
+          <a:prstGeom prst="rect">
+            <a:avLst/>
+          </a:prstGeom>
+          <a:solidFill>
+            <a:srgbClr val="B8BCBB"/>
+          </a:solidFill>
+          <a:ln w="12700">
+            <a:miter lim="400000"/>
+          </a:ln>
+        </p:spPr>
+        <p:txBody>
+          <a:bodyPr lIns="45719" rIns="45719" anchor="ctr"/>
+          <a:lstStyle/>
+          <a:p>
+            <a:pPr algn="ctr">
+              <a:defRPr>
+                <a:solidFill>
+                  <a:srgbClr val="FFFFFF"/>
+                </a:solidFill>
+              </a:defRPr>
+            </a:pPr>
+            <a:endParaRPr/>
+          </a:p>
+        </p:txBody>
+      </p:sp>
+      <p:sp>
+        <p:nvSpPr>
+          <p:cNvPr id="203" name="TextBox 24"/>
+          <p:cNvSpPr txBox="1"/>
+          <p:nvPr/>
+        </p:nvSpPr>
+        <p:spPr>
+          <a:xfrm>
+            <a:off x="490138" y="323244"/>
+            <a:ext cx="259303" cy="584775"/>
+          </a:xfrm>
+          <a:prstGeom prst="rect">
+            <a:avLst/>
+          </a:prstGeom>
+          <a:ln w="12700">
+            <a:miter lim="400000"/>
+          </a:ln>
+          <a:extLst>
+            <a:ext uri="{C572A759-6A51-4108-AA02-DFA0A04FC94B}">
+              <ma14:wrappingTextBoxFlag xmlns="" xmlns:m="http://schemas.openxmlformats.org/officeDocument/2006/math" xmlns:a14="http://schemas.microsoft.com/office/drawing/2010/main" xmlns:ma14="http://schemas.microsoft.com/office/mac/drawingml/2011/main" val="1"/>
+            </a:ext>
+          </a:extLst>
+        </p:spPr>
+        <p:txBody>
+          <a:bodyPr lIns="45719" rIns="45719">
+            <a:spAutoFit/>
+          </a:bodyPr>
+          <a:lstStyle>
+            <a:lvl1pPr algn="ctr">
+              <a:defRPr sz="3200" b="1">
+                <a:solidFill>
+                  <a:srgbClr val="FFFFFF"/>
+                </a:solidFill>
+              </a:defRPr>
+            </a:lvl1pPr>
+          </a:lstStyle>
+          <a:p>
+            <a:r>
+              <a:rPr lang="en-US" altLang="ko-KR"/>
+              <a:t>3</a:t>
+            </a:r>
+            <a:endParaRPr/>
+          </a:p>
+        </p:txBody>
+      </p:sp>
+      <p:grpSp>
+        <p:nvGrpSpPr>
+          <p:cNvPr id="206" name="그룹 25"/>
+          <p:cNvGrpSpPr/>
+          <p:nvPr/>
+        </p:nvGrpSpPr>
+        <p:grpSpPr>
+          <a:xfrm>
+            <a:off x="1188881" y="351818"/>
+            <a:ext cx="1942196" cy="660427"/>
+            <a:chOff x="0" y="0"/>
+            <a:chExt cx="1942195" cy="660425"/>
+          </a:xfrm>
+        </p:grpSpPr>
+        <p:sp>
+          <p:nvSpPr>
+            <p:cNvPr id="204" name="TextBox 26"/>
+            <p:cNvSpPr txBox="1"/>
+            <p:nvPr/>
+          </p:nvSpPr>
+          <p:spPr>
+            <a:xfrm>
+              <a:off x="0" y="0"/>
+              <a:ext cx="1060544" cy="276996"/>
+            </a:xfrm>
+            <a:prstGeom prst="rect">
+              <a:avLst/>
+            </a:prstGeom>
+            <a:noFill/>
+            <a:ln w="12700" cap="flat">
+              <a:noFill/>
+              <a:miter lim="400000"/>
+            </a:ln>
+            <a:effectLst/>
+            <a:extLst>
+              <a:ext uri="{C572A759-6A51-4108-AA02-DFA0A04FC94B}">
+                <ma14:wrappingTextBoxFlag xmlns="" xmlns:m="http://schemas.openxmlformats.org/officeDocument/2006/math" xmlns:a14="http://schemas.microsoft.com/office/drawing/2010/main" xmlns:ma14="http://schemas.microsoft.com/office/mac/drawingml/2011/main" val="1"/>
+              </a:ext>
+            </a:extLst>
+          </p:spPr>
+          <p:txBody>
+            <a:bodyPr wrap="none" lIns="45719" tIns="45719" rIns="45719" bIns="45719" numCol="1" anchor="t">
+              <a:spAutoFit/>
+            </a:bodyPr>
+            <a:lstStyle/>
+            <a:p>
+              <a:pPr>
+                <a:defRPr sz="1200"/>
+              </a:pPr>
+              <a:r>
+                <a:t>00</a:t>
+              </a:r>
+              <a:r>
+                <a:rPr lang="en-US" altLang="ko-KR"/>
+                <a:t>3</a:t>
+              </a:r>
+              <a:r>
+                <a:t> </a:t>
+              </a:r>
+              <a:r>
+                <a:rPr lang="ko-KR" altLang="en-US">
+                  <a:latin typeface="나눔스퀘어라운드 Regular"/>
+                  <a:ea typeface="나눔스퀘어라운드 Regular"/>
+                  <a:cs typeface="나눔스퀘어라운드 Regular"/>
+                  <a:sym typeface="나눔스퀘어라운드 Regular"/>
+                </a:rPr>
+                <a:t>실행 화면</a:t>
+              </a:r>
+              <a:endParaRPr>
+                <a:latin typeface="나눔스퀘어라운드 Regular"/>
+                <a:ea typeface="나눔스퀘어라운드 Regular"/>
+                <a:cs typeface="나눔스퀘어라운드 Regular"/>
+                <a:sym typeface="나눔스퀘어라운드 Regular"/>
+              </a:endParaRPr>
+            </a:p>
+          </p:txBody>
+        </p:sp>
+        <p:sp>
+          <p:nvSpPr>
+            <p:cNvPr id="205" name="TextBox 27"/>
+            <p:cNvSpPr txBox="1"/>
+            <p:nvPr/>
+          </p:nvSpPr>
+          <p:spPr>
+            <a:xfrm>
+              <a:off x="0" y="229541"/>
+              <a:ext cx="1942195" cy="430884"/>
+            </a:xfrm>
+            <a:prstGeom prst="rect">
+              <a:avLst/>
+            </a:prstGeom>
+            <a:noFill/>
+            <a:ln w="12700" cap="flat">
+              <a:noFill/>
+              <a:miter lim="400000"/>
+            </a:ln>
+            <a:effectLst/>
+            <a:extLst>
+              <a:ext uri="{C572A759-6A51-4108-AA02-DFA0A04FC94B}">
+                <ma14:wrappingTextBoxFlag xmlns="" xmlns:m="http://schemas.openxmlformats.org/officeDocument/2006/math" xmlns:a14="http://schemas.microsoft.com/office/drawing/2010/main" xmlns:ma14="http://schemas.microsoft.com/office/mac/drawingml/2011/main" val="1"/>
+              </a:ext>
+            </a:extLst>
+          </p:spPr>
+          <p:txBody>
+            <a:bodyPr wrap="none" lIns="45719" tIns="45719" rIns="45719" bIns="45719" numCol="1" anchor="t">
+              <a:spAutoFit/>
+            </a:bodyPr>
+            <a:lstStyle>
+              <a:lvl1pPr>
+                <a:defRPr sz="2200">
+                  <a:latin typeface="나눔스퀘어라운드 Regular"/>
+                  <a:ea typeface="나눔스퀘어라운드 Regular"/>
+                  <a:cs typeface="나눔스퀘어라운드 Regular"/>
+                  <a:sym typeface="나눔스퀘어라운드 Regular"/>
+                </a:defRPr>
+              </a:lvl1pPr>
+            </a:lstStyle>
+            <a:p>
+              <a:pPr>
+                <a:defRPr>
+                  <a:latin typeface="Arial"/>
+                  <a:ea typeface="Arial"/>
+                  <a:cs typeface="Arial"/>
+                  <a:sym typeface="Arial"/>
+                </a:defRPr>
+              </a:pPr>
+              <a:r>
+                <a:rPr lang="ko-KR" altLang="en-US"/>
+                <a:t>어플 실행 화면</a:t>
+              </a:r>
+            </a:p>
+          </p:txBody>
+        </p:sp>
+      </p:grpSp>
+      <p:sp>
+        <p:nvSpPr>
+          <p:cNvPr id="207" name="TextBox 9"/>
+          <p:cNvSpPr txBox="1"/>
+          <p:nvPr/>
+        </p:nvSpPr>
+        <p:spPr>
+          <a:xfrm>
+            <a:off x="1904810" y="6041285"/>
+            <a:ext cx="1058942" cy="369332"/>
+          </a:xfrm>
+          <a:prstGeom prst="rect">
+            <a:avLst/>
+          </a:prstGeom>
+          <a:ln w="12700">
+            <a:miter lim="400000"/>
+          </a:ln>
+          <a:extLst>
+            <a:ext uri="{C572A759-6A51-4108-AA02-DFA0A04FC94B}">
+              <ma14:wrappingTextBoxFlag xmlns="" xmlns:m="http://schemas.openxmlformats.org/officeDocument/2006/math" xmlns:a14="http://schemas.microsoft.com/office/drawing/2010/main" xmlns:ma14="http://schemas.microsoft.com/office/mac/drawingml/2011/main" val="1"/>
+            </a:ext>
+          </a:extLst>
+        </p:spPr>
+        <p:txBody>
+          <a:bodyPr wrap="none" lIns="45719" rIns="45719">
+            <a:spAutoFit/>
+          </a:bodyPr>
+          <a:lstStyle>
+            <a:lvl1pPr>
+              <a:defRPr>
+                <a:latin typeface="나눔스퀘어라운드 Regular"/>
+                <a:ea typeface="나눔스퀘어라운드 Regular"/>
+                <a:cs typeface="나눔스퀘어라운드 Regular"/>
+                <a:sym typeface="나눔스퀘어라운드 Regular"/>
+              </a:defRPr>
+            </a:lvl1pPr>
+          </a:lstStyle>
+          <a:p>
+            <a:pPr>
+              <a:defRPr>
+                <a:latin typeface="Arial"/>
+                <a:ea typeface="Arial"/>
+                <a:cs typeface="Arial"/>
+                <a:sym typeface="Arial"/>
+              </a:defRPr>
+            </a:pPr>
+            <a:r>
+              <a:rPr lang="en-US" altLang="ko-KR" dirty="0" smtClean="0">
+                <a:latin typeface="나눔스퀘어라운드 Regular"/>
+                <a:ea typeface="나눔스퀘어라운드 Regular"/>
+                <a:cs typeface="나눔스퀘어라운드 Regular"/>
+                <a:sym typeface="나눔스퀘어라운드 Regular"/>
+              </a:rPr>
+              <a:t>Like </a:t>
+            </a:r>
+            <a:r>
+              <a:rPr lang="ko-KR" altLang="en-US" dirty="0" smtClean="0">
+                <a:latin typeface="나눔스퀘어라운드 Regular"/>
+                <a:ea typeface="나눔스퀘어라운드 Regular"/>
+                <a:cs typeface="나눔스퀘어라운드 Regular"/>
+                <a:sym typeface="나눔스퀘어라운드 Regular"/>
+              </a:rPr>
+              <a:t>클릭</a:t>
+            </a:r>
+            <a:endParaRPr dirty="0">
+              <a:latin typeface="나눔스퀘어라운드 Regular"/>
+              <a:ea typeface="나눔스퀘어라운드 Regular"/>
+              <a:cs typeface="나눔스퀘어라운드 Regular"/>
+              <a:sym typeface="나눔스퀘어라운드 Regular"/>
+            </a:endParaRPr>
+          </a:p>
+        </p:txBody>
+      </p:sp>
+      <p:sp>
+        <p:nvSpPr>
+          <p:cNvPr id="208" name="TextBox 36"/>
+          <p:cNvSpPr txBox="1"/>
+          <p:nvPr/>
+        </p:nvSpPr>
+        <p:spPr>
+          <a:xfrm>
+            <a:off x="5526330" y="6081813"/>
+            <a:ext cx="1143901" cy="369332"/>
+          </a:xfrm>
+          <a:prstGeom prst="rect">
+            <a:avLst/>
+          </a:prstGeom>
+          <a:ln w="12700">
+            <a:miter lim="400000"/>
+          </a:ln>
+          <a:extLst>
+            <a:ext uri="{C572A759-6A51-4108-AA02-DFA0A04FC94B}">
+              <ma14:wrappingTextBoxFlag xmlns="" xmlns:m="http://schemas.openxmlformats.org/officeDocument/2006/math" xmlns:a14="http://schemas.microsoft.com/office/drawing/2010/main" xmlns:ma14="http://schemas.microsoft.com/office/mac/drawingml/2011/main" val="1"/>
+            </a:ext>
+          </a:extLst>
+        </p:spPr>
+        <p:txBody>
+          <a:bodyPr wrap="none" lIns="45719" rIns="45719">
+            <a:spAutoFit/>
+          </a:bodyPr>
+          <a:lstStyle>
+            <a:lvl1pPr>
+              <a:defRPr>
+                <a:latin typeface="나눔스퀘어라운드 Regular"/>
+                <a:ea typeface="나눔스퀘어라운드 Regular"/>
+                <a:cs typeface="나눔스퀘어라운드 Regular"/>
+                <a:sym typeface="나눔스퀘어라운드 Regular"/>
+              </a:defRPr>
+            </a:lvl1pPr>
+          </a:lstStyle>
+          <a:p>
+            <a:pPr>
+              <a:defRPr>
+                <a:latin typeface="Arial"/>
+                <a:ea typeface="Arial"/>
+                <a:cs typeface="Arial"/>
+                <a:sym typeface="Arial"/>
+              </a:defRPr>
+            </a:pPr>
+            <a:r>
+              <a:rPr lang="en-US" dirty="0" smtClean="0"/>
+              <a:t>More </a:t>
+            </a:r>
+            <a:r>
+              <a:rPr lang="ko-KR" altLang="en-US" dirty="0" smtClean="0"/>
+              <a:t>클릭</a:t>
+            </a:r>
+            <a:endParaRPr dirty="0">
+              <a:latin typeface="나눔스퀘어라운드 Regular"/>
+              <a:ea typeface="나눔스퀘어라운드 Regular"/>
+              <a:cs typeface="나눔스퀘어라운드 Regular"/>
+              <a:sym typeface="나눔스퀘어라운드 Regular"/>
+            </a:endParaRPr>
+          </a:p>
+        </p:txBody>
+      </p:sp>
+      <p:sp>
+        <p:nvSpPr>
+          <p:cNvPr id="209" name="TextBox 37"/>
+          <p:cNvSpPr txBox="1"/>
+          <p:nvPr/>
+        </p:nvSpPr>
+        <p:spPr>
+          <a:xfrm>
+            <a:off x="9232809" y="6081813"/>
+            <a:ext cx="1926166" cy="369332"/>
+          </a:xfrm>
+          <a:prstGeom prst="rect">
+            <a:avLst/>
+          </a:prstGeom>
+          <a:ln w="12700">
+            <a:miter lim="400000"/>
+          </a:ln>
+          <a:extLst>
+            <a:ext uri="{C572A759-6A51-4108-AA02-DFA0A04FC94B}">
+              <ma14:wrappingTextBoxFlag xmlns="" xmlns:m="http://schemas.openxmlformats.org/officeDocument/2006/math" xmlns:a14="http://schemas.microsoft.com/office/drawing/2010/main" xmlns:ma14="http://schemas.microsoft.com/office/mac/drawingml/2011/main" val="1"/>
+            </a:ext>
+          </a:extLst>
+        </p:spPr>
+        <p:txBody>
+          <a:bodyPr wrap="none" lIns="45719" rIns="45719">
+            <a:spAutoFit/>
+          </a:bodyPr>
+          <a:lstStyle>
+            <a:lvl1pPr>
+              <a:defRPr>
+                <a:latin typeface="나눔스퀘어라운드 Regular"/>
+                <a:ea typeface="나눔스퀘어라운드 Regular"/>
+                <a:cs typeface="나눔스퀘어라운드 Regular"/>
+                <a:sym typeface="나눔스퀘어라운드 Regular"/>
+              </a:defRPr>
+            </a:lvl1pPr>
+          </a:lstStyle>
+          <a:p>
+            <a:pPr>
+              <a:defRPr>
+                <a:latin typeface="Arial"/>
+                <a:ea typeface="Arial"/>
+                <a:cs typeface="Arial"/>
+                <a:sym typeface="Arial"/>
+              </a:defRPr>
+            </a:pPr>
+            <a:r>
+              <a:rPr lang="en-US" altLang="ko-KR" dirty="0" err="1" smtClean="0"/>
+              <a:t>NavigationDrawar</a:t>
+            </a:r>
+            <a:endParaRPr dirty="0">
+              <a:latin typeface="나눔스퀘어라운드 Regular"/>
+              <a:ea typeface="나눔스퀘어라운드 Regular"/>
+              <a:cs typeface="나눔스퀘어라운드 Regular"/>
+              <a:sym typeface="나눔스퀘어라운드 Regular"/>
+            </a:endParaRPr>
+          </a:p>
+        </p:txBody>
+      </p:sp>
+      <p:sp>
+        <p:nvSpPr>
+          <p:cNvPr id="15" name="직사각형 14"/>
+          <p:cNvSpPr/>
+          <p:nvPr/>
+        </p:nvSpPr>
+        <p:spPr>
+          <a:xfrm>
+            <a:off x="8684523" y="1194089"/>
+            <a:ext cx="2828207" cy="4778727"/>
+          </a:xfrm>
+          <a:prstGeom prst="rect">
+            <a:avLst/>
+          </a:prstGeom>
+          <a:blipFill dpi="0" rotWithShape="1">
+            <a:blip r:embed="rId4">
+              <a:extLst>
+                <a:ext uri="{28A0092B-C50C-407E-A947-70E740481C1C}">
+                  <a14:useLocalDpi xmlns:a14="http://schemas.microsoft.com/office/drawing/2010/main" val="0"/>
+                </a:ext>
+              </a:extLst>
+            </a:blip>
+            <a:srcRect/>
+            <a:stretch>
+              <a:fillRect/>
+            </a:stretch>
+          </a:blipFill>
+          <a:ln w="12700" cap="flat">
+            <a:noFill/>
+            <a:prstDash val="solid"/>
+            <a:miter lim="800000"/>
+          </a:ln>
+          <a:effectLst/>
+          <a:sp3d/>
+        </p:spPr>
+        <p:style>
+          <a:lnRef idx="0">
+            <a:scrgbClr r="0" g="0" b="0"/>
+          </a:lnRef>
+          <a:fillRef idx="0">
+            <a:scrgbClr r="0" g="0" b="0"/>
+          </a:fillRef>
+          <a:effectRef idx="0">
+            <a:scrgbClr r="0" g="0" b="0"/>
+          </a:effectRef>
+          <a:fontRef idx="none"/>
+        </p:style>
+        <p:txBody>
+          <a:bodyPr rot="0" spcFirstLastPara="1" vertOverflow="overflow" horzOverflow="overflow" vert="horz" wrap="square" lIns="45719" tIns="45719" rIns="45719" bIns="45719" numCol="1" spcCol="38100" rtlCol="0" anchor="ctr">
+            <a:spAutoFit/>
+          </a:bodyPr>
+          <a:lstStyle/>
+          <a:p>
+            <a:pPr marL="0" marR="0" indent="0" algn="l" defTabSz="914400" rtl="0" fontAlgn="auto" latinLnBrk="0" hangingPunct="0">
+              <a:lnSpc>
+                <a:spcPct val="100000"/>
+              </a:lnSpc>
+              <a:spcBef>
+                <a:spcPts val="0"/>
+              </a:spcBef>
+              <a:spcAft>
+                <a:spcPts val="0"/>
+              </a:spcAft>
+              <a:buClrTx/>
+              <a:buSzTx/>
+              <a:buFontTx/>
+              <a:buNone/>
+              <a:tabLst/>
+            </a:pPr>
+            <a:endParaRPr kumimoji="0" lang="ko-KR" altLang="en-US" sz="1800" b="0" i="0" u="none" strike="noStrike" cap="none" spc="0" normalizeH="0" baseline="0">
+              <a:ln>
+                <a:noFill/>
+              </a:ln>
+              <a:solidFill>
+                <a:srgbClr val="3A3838"/>
+              </a:solidFill>
+              <a:effectLst/>
+              <a:uFillTx/>
+              <a:latin typeface="Arial"/>
+              <a:ea typeface="Arial"/>
+              <a:cs typeface="Arial"/>
+              <a:sym typeface="Arial"/>
+            </a:endParaRPr>
+          </a:p>
+        </p:txBody>
+      </p:sp>
+    </p:spTree>
+    <p:extLst>
+      <p:ext uri="{BB962C8B-B14F-4D97-AF65-F5344CB8AC3E}">
+        <p14:creationId xmlns:p14="http://schemas.microsoft.com/office/powerpoint/2010/main" val="402813300"/>
+      </p:ext>
+    </p:extLst>
+  </p:cSld>
+  <p:clrMapOvr>
+    <a:masterClrMapping/>
+  </p:clrMapOvr>
+  <p:transition spd="med"/>
+</p:sld>
+</file>
+
+<file path=ppt/slides/slide13.xml><?xml version="1.0" encoding="utf-8"?>
+<p:sld xmlns:a="http://schemas.openxmlformats.org/drawingml/2006/main" xmlns:r="http://schemas.openxmlformats.org/officeDocument/2006/relationships" xmlns:p="http://schemas.openxmlformats.org/presentationml/2006/main">
+  <p:cSld>
+    <p:spTree>
+      <p:nvGrpSpPr>
+        <p:cNvPr id="1" name=""/>
+        <p:cNvGrpSpPr/>
+        <p:nvPr/>
+      </p:nvGrpSpPr>
+      <p:grpSpPr>
+        <a:xfrm>
+          <a:off x="0" y="0"/>
+          <a:ext cx="0" cy="0"/>
+          <a:chOff x="0" y="0"/>
+          <a:chExt cx="0" cy="0"/>
+        </a:xfrm>
+      </p:grpSpPr>
+      <p:pic>
+        <p:nvPicPr>
+          <p:cNvPr id="197" name="스크린샷 2019-04-24 오후 12.33.32.png"/>
+          <p:cNvPicPr>
+            <a:picLocks noChangeAspect="1"/>
+          </p:cNvPicPr>
+          <p:nvPr/>
+        </p:nvPicPr>
+        <p:blipFill>
+          <a:blip r:embed="rId2">
+            <a:extLst>
+              <a:ext uri="{28A0092B-C50C-407E-A947-70E740481C1C}">
+                <a14:useLocalDpi xmlns:a14="http://schemas.microsoft.com/office/drawing/2010/main" val="0"/>
+              </a:ext>
+            </a:extLst>
+          </a:blip>
+          <a:stretch>
+            <a:fillRect/>
+          </a:stretch>
+        </p:blipFill>
+        <p:spPr>
+          <a:xfrm>
+            <a:off x="2173770" y="1236099"/>
+            <a:ext cx="2680748" cy="4694710"/>
+          </a:xfrm>
+          <a:prstGeom prst="rect">
+            <a:avLst/>
+          </a:prstGeom>
+          <a:ln w="12700">
+            <a:miter lim="400000"/>
+          </a:ln>
+        </p:spPr>
+      </p:pic>
+      <p:pic>
+        <p:nvPicPr>
+          <p:cNvPr id="199" name="스크린샷 2019-04-24 오후 12.40.55.png"/>
+          <p:cNvPicPr>
+            <a:picLocks noChangeAspect="1"/>
+          </p:cNvPicPr>
+          <p:nvPr/>
+        </p:nvPicPr>
+        <p:blipFill>
+          <a:blip r:embed="rId3">
+            <a:extLst>
+              <a:ext uri="{28A0092B-C50C-407E-A947-70E740481C1C}">
+                <a14:useLocalDpi xmlns:a14="http://schemas.microsoft.com/office/drawing/2010/main" val="0"/>
+              </a:ext>
+            </a:extLst>
+          </a:blip>
+          <a:stretch>
+            <a:fillRect/>
+          </a:stretch>
+        </p:blipFill>
+        <p:spPr>
+          <a:xfrm>
+            <a:off x="7000834" y="1210549"/>
+            <a:ext cx="2686307" cy="4745809"/>
+          </a:xfrm>
+          <a:prstGeom prst="rect">
+            <a:avLst/>
+          </a:prstGeom>
+          <a:ln w="12700">
+            <a:miter lim="400000"/>
+          </a:ln>
+        </p:spPr>
+      </p:pic>
+      <p:sp>
+        <p:nvSpPr>
+          <p:cNvPr id="200" name="TextBox 15"/>
+          <p:cNvSpPr txBox="1"/>
+          <p:nvPr/>
+        </p:nvSpPr>
+        <p:spPr>
+          <a:xfrm>
+            <a:off x="9885601" y="6505575"/>
+            <a:ext cx="2236328" cy="239048"/>
+          </a:xfrm>
+          <a:prstGeom prst="rect">
+            <a:avLst/>
+          </a:prstGeom>
+          <a:ln w="12700">
+            <a:miter lim="400000"/>
+          </a:ln>
+          <a:extLst>
+            <a:ext uri="{C572A759-6A51-4108-AA02-DFA0A04FC94B}">
+              <ma14:wrappingTextBoxFlag xmlns="" xmlns:m="http://schemas.openxmlformats.org/officeDocument/2006/math" xmlns:a14="http://schemas.microsoft.com/office/drawing/2010/main" xmlns:ma14="http://schemas.microsoft.com/office/mac/drawingml/2011/main" val="1"/>
+            </a:ext>
+          </a:extLst>
+        </p:spPr>
+        <p:txBody>
+          <a:bodyPr wrap="none" lIns="45719" rIns="45719">
+            <a:spAutoFit/>
+          </a:bodyPr>
+          <a:lstStyle>
+            <a:lvl1pPr algn="r">
+              <a:defRPr sz="800">
+                <a:solidFill>
+                  <a:schemeClr val="accent6"/>
+                </a:solidFill>
+                <a:latin typeface="나눔스퀘어라운드 Regular"/>
+                <a:ea typeface="나눔스퀘어라운드 Regular"/>
+                <a:cs typeface="나눔스퀘어라운드 Regular"/>
+                <a:sym typeface="나눔스퀘어라운드 Regular"/>
+              </a:defRPr>
+            </a:lvl1pPr>
+          </a:lstStyle>
+          <a:p>
+            <a:r>
+              <a:t>Copyrightⓒ. Saebyeol Yu. All Rights Reserved.</a:t>
+            </a:r>
+          </a:p>
+        </p:txBody>
+      </p:sp>
+      <p:sp>
+        <p:nvSpPr>
+          <p:cNvPr id="201" name="직선 연결선 22"/>
+          <p:cNvSpPr/>
+          <p:nvPr/>
+        </p:nvSpPr>
+        <p:spPr>
+          <a:xfrm>
+            <a:off x="1188881" y="273124"/>
+            <a:ext cx="10666422" cy="1"/>
+          </a:xfrm>
+          <a:prstGeom prst="line">
+            <a:avLst/>
+          </a:prstGeom>
+          <a:ln w="19050">
+            <a:solidFill>
+              <a:schemeClr val="accent6"/>
+            </a:solidFill>
+            <a:miter/>
+          </a:ln>
+        </p:spPr>
+        <p:txBody>
+          <a:bodyPr lIns="45719" rIns="45719"/>
+          <a:lstStyle/>
+          <a:p>
+            <a:endParaRPr/>
+          </a:p>
+        </p:txBody>
+      </p:sp>
+      <p:sp>
+        <p:nvSpPr>
+          <p:cNvPr id="202" name="직사각형 23"/>
+          <p:cNvSpPr/>
+          <p:nvPr/>
+        </p:nvSpPr>
+        <p:spPr>
+          <a:xfrm>
+            <a:off x="265814" y="244548"/>
+            <a:ext cx="720001" cy="720001"/>
+          </a:xfrm>
+          <a:prstGeom prst="rect">
+            <a:avLst/>
+          </a:prstGeom>
+          <a:solidFill>
+            <a:srgbClr val="B8BCBB"/>
+          </a:solidFill>
+          <a:ln w="12700">
+            <a:miter lim="400000"/>
+          </a:ln>
+        </p:spPr>
+        <p:txBody>
+          <a:bodyPr lIns="45719" rIns="45719" anchor="ctr"/>
+          <a:lstStyle/>
+          <a:p>
+            <a:pPr algn="ctr">
+              <a:defRPr>
+                <a:solidFill>
+                  <a:srgbClr val="FFFFFF"/>
+                </a:solidFill>
+              </a:defRPr>
+            </a:pPr>
+            <a:endParaRPr/>
+          </a:p>
+        </p:txBody>
+      </p:sp>
+      <p:sp>
+        <p:nvSpPr>
+          <p:cNvPr id="203" name="TextBox 24"/>
+          <p:cNvSpPr txBox="1"/>
+          <p:nvPr/>
+        </p:nvSpPr>
+        <p:spPr>
+          <a:xfrm>
+            <a:off x="490138" y="323244"/>
+            <a:ext cx="259303" cy="584775"/>
+          </a:xfrm>
+          <a:prstGeom prst="rect">
+            <a:avLst/>
+          </a:prstGeom>
+          <a:ln w="12700">
+            <a:miter lim="400000"/>
+          </a:ln>
+          <a:extLst>
+            <a:ext uri="{C572A759-6A51-4108-AA02-DFA0A04FC94B}">
+              <ma14:wrappingTextBoxFlag xmlns="" xmlns:m="http://schemas.openxmlformats.org/officeDocument/2006/math" xmlns:a14="http://schemas.microsoft.com/office/drawing/2010/main" xmlns:ma14="http://schemas.microsoft.com/office/mac/drawingml/2011/main" val="1"/>
+            </a:ext>
+          </a:extLst>
+        </p:spPr>
+        <p:txBody>
+          <a:bodyPr lIns="45719" rIns="45719">
+            <a:spAutoFit/>
+          </a:bodyPr>
+          <a:lstStyle>
+            <a:lvl1pPr algn="ctr">
+              <a:defRPr sz="3200" b="1">
+                <a:solidFill>
+                  <a:srgbClr val="FFFFFF"/>
+                </a:solidFill>
+              </a:defRPr>
+            </a:lvl1pPr>
+          </a:lstStyle>
+          <a:p>
+            <a:r>
+              <a:rPr lang="en-US" altLang="ko-KR"/>
+              <a:t>3</a:t>
+            </a:r>
+            <a:endParaRPr/>
+          </a:p>
+        </p:txBody>
+      </p:sp>
+      <p:grpSp>
+        <p:nvGrpSpPr>
+          <p:cNvPr id="206" name="그룹 25"/>
+          <p:cNvGrpSpPr/>
+          <p:nvPr/>
+        </p:nvGrpSpPr>
+        <p:grpSpPr>
+          <a:xfrm>
+            <a:off x="1188881" y="351818"/>
+            <a:ext cx="1942196" cy="660427"/>
+            <a:chOff x="0" y="0"/>
+            <a:chExt cx="1942195" cy="660425"/>
+          </a:xfrm>
+        </p:grpSpPr>
+        <p:sp>
+          <p:nvSpPr>
+            <p:cNvPr id="204" name="TextBox 26"/>
+            <p:cNvSpPr txBox="1"/>
+            <p:nvPr/>
+          </p:nvSpPr>
+          <p:spPr>
+            <a:xfrm>
+              <a:off x="0" y="0"/>
+              <a:ext cx="1060544" cy="276996"/>
+            </a:xfrm>
+            <a:prstGeom prst="rect">
+              <a:avLst/>
+            </a:prstGeom>
+            <a:noFill/>
+            <a:ln w="12700" cap="flat">
+              <a:noFill/>
+              <a:miter lim="400000"/>
+            </a:ln>
+            <a:effectLst/>
+            <a:extLst>
+              <a:ext uri="{C572A759-6A51-4108-AA02-DFA0A04FC94B}">
+                <ma14:wrappingTextBoxFlag xmlns="" xmlns:m="http://schemas.openxmlformats.org/officeDocument/2006/math" xmlns:a14="http://schemas.microsoft.com/office/drawing/2010/main" xmlns:ma14="http://schemas.microsoft.com/office/mac/drawingml/2011/main" val="1"/>
+              </a:ext>
+            </a:extLst>
+          </p:spPr>
+          <p:txBody>
+            <a:bodyPr wrap="none" lIns="45719" tIns="45719" rIns="45719" bIns="45719" numCol="1" anchor="t">
+              <a:spAutoFit/>
+            </a:bodyPr>
+            <a:lstStyle/>
+            <a:p>
+              <a:pPr>
+                <a:defRPr sz="1200"/>
+              </a:pPr>
+              <a:r>
+                <a:t>00</a:t>
+              </a:r>
+              <a:r>
+                <a:rPr lang="en-US" altLang="ko-KR"/>
+                <a:t>3</a:t>
+              </a:r>
+              <a:r>
+                <a:t> </a:t>
+              </a:r>
+              <a:r>
+                <a:rPr lang="ko-KR" altLang="en-US">
+                  <a:latin typeface="나눔스퀘어라운드 Regular"/>
+                  <a:ea typeface="나눔스퀘어라운드 Regular"/>
+                  <a:cs typeface="나눔스퀘어라운드 Regular"/>
+                  <a:sym typeface="나눔스퀘어라운드 Regular"/>
+                </a:rPr>
+                <a:t>실행 화면</a:t>
+              </a:r>
+              <a:endParaRPr>
+                <a:latin typeface="나눔스퀘어라운드 Regular"/>
+                <a:ea typeface="나눔스퀘어라운드 Regular"/>
+                <a:cs typeface="나눔스퀘어라운드 Regular"/>
+                <a:sym typeface="나눔스퀘어라운드 Regular"/>
+              </a:endParaRPr>
+            </a:p>
+          </p:txBody>
+        </p:sp>
+        <p:sp>
+          <p:nvSpPr>
+            <p:cNvPr id="205" name="TextBox 27"/>
+            <p:cNvSpPr txBox="1"/>
+            <p:nvPr/>
+          </p:nvSpPr>
+          <p:spPr>
+            <a:xfrm>
+              <a:off x="0" y="229541"/>
+              <a:ext cx="1942195" cy="430884"/>
+            </a:xfrm>
+            <a:prstGeom prst="rect">
+              <a:avLst/>
+            </a:prstGeom>
+            <a:noFill/>
+            <a:ln w="12700" cap="flat">
+              <a:noFill/>
+              <a:miter lim="400000"/>
+            </a:ln>
+            <a:effectLst/>
+            <a:extLst>
+              <a:ext uri="{C572A759-6A51-4108-AA02-DFA0A04FC94B}">
+                <ma14:wrappingTextBoxFlag xmlns="" xmlns:m="http://schemas.openxmlformats.org/officeDocument/2006/math" xmlns:a14="http://schemas.microsoft.com/office/drawing/2010/main" xmlns:ma14="http://schemas.microsoft.com/office/mac/drawingml/2011/main" val="1"/>
+              </a:ext>
+            </a:extLst>
+          </p:spPr>
+          <p:txBody>
+            <a:bodyPr wrap="none" lIns="45719" tIns="45719" rIns="45719" bIns="45719" numCol="1" anchor="t">
+              <a:spAutoFit/>
+            </a:bodyPr>
+            <a:lstStyle>
+              <a:lvl1pPr>
+                <a:defRPr sz="2200">
+                  <a:latin typeface="나눔스퀘어라운드 Regular"/>
+                  <a:ea typeface="나눔스퀘어라운드 Regular"/>
+                  <a:cs typeface="나눔스퀘어라운드 Regular"/>
+                  <a:sym typeface="나눔스퀘어라운드 Regular"/>
+                </a:defRPr>
+              </a:lvl1pPr>
+            </a:lstStyle>
+            <a:p>
+              <a:pPr>
+                <a:defRPr>
+                  <a:latin typeface="Arial"/>
+                  <a:ea typeface="Arial"/>
+                  <a:cs typeface="Arial"/>
+                  <a:sym typeface="Arial"/>
+                </a:defRPr>
+              </a:pPr>
+              <a:r>
+                <a:rPr lang="ko-KR" altLang="en-US" dirty="0" err="1"/>
+                <a:t>어플</a:t>
+              </a:r>
+              <a:r>
+                <a:rPr lang="ko-KR" altLang="en-US" dirty="0"/>
+                <a:t> 실행 화면</a:t>
+              </a:r>
+            </a:p>
+          </p:txBody>
+        </p:sp>
+      </p:grpSp>
+      <p:sp>
+        <p:nvSpPr>
+          <p:cNvPr id="207" name="TextBox 9"/>
+          <p:cNvSpPr txBox="1"/>
+          <p:nvPr/>
+        </p:nvSpPr>
+        <p:spPr>
+          <a:xfrm>
+            <a:off x="2907728" y="6041285"/>
+            <a:ext cx="1212831" cy="369332"/>
+          </a:xfrm>
+          <a:prstGeom prst="rect">
+            <a:avLst/>
+          </a:prstGeom>
+          <a:ln w="12700">
+            <a:miter lim="400000"/>
+          </a:ln>
+          <a:extLst>
+            <a:ext uri="{C572A759-6A51-4108-AA02-DFA0A04FC94B}">
+              <ma14:wrappingTextBoxFlag xmlns="" xmlns:m="http://schemas.openxmlformats.org/officeDocument/2006/math" xmlns:a14="http://schemas.microsoft.com/office/drawing/2010/main" xmlns:ma14="http://schemas.microsoft.com/office/mac/drawingml/2011/main" val="1"/>
+            </a:ext>
+          </a:extLst>
+        </p:spPr>
+        <p:txBody>
+          <a:bodyPr wrap="none" lIns="45719" rIns="45719">
+            <a:spAutoFit/>
+          </a:bodyPr>
+          <a:lstStyle>
+            <a:lvl1pPr>
+              <a:defRPr>
+                <a:latin typeface="나눔스퀘어라운드 Regular"/>
+                <a:ea typeface="나눔스퀘어라운드 Regular"/>
+                <a:cs typeface="나눔스퀘어라운드 Regular"/>
+                <a:sym typeface="나눔스퀘어라운드 Regular"/>
+              </a:defRPr>
+            </a:lvl1pPr>
+          </a:lstStyle>
+          <a:p>
+            <a:pPr>
+              <a:defRPr>
+                <a:latin typeface="Arial"/>
+                <a:ea typeface="Arial"/>
+                <a:cs typeface="Arial"/>
+                <a:sym typeface="Arial"/>
+              </a:defRPr>
+            </a:pPr>
+            <a:r>
+              <a:rPr lang="en-US" altLang="ko-KR" dirty="0" err="1" smtClean="0">
+                <a:latin typeface="나눔스퀘어라운드 Regular"/>
+                <a:ea typeface="나눔스퀘어라운드 Regular"/>
+                <a:cs typeface="나눔스퀘어라운드 Regular"/>
+                <a:sym typeface="나눔스퀘어라운드 Regular"/>
+              </a:rPr>
+              <a:t>MyFestival</a:t>
+            </a:r>
+            <a:endParaRPr dirty="0">
+              <a:latin typeface="나눔스퀘어라운드 Regular"/>
+              <a:ea typeface="나눔스퀘어라운드 Regular"/>
+              <a:cs typeface="나눔스퀘어라운드 Regular"/>
+              <a:sym typeface="나눔스퀘어라운드 Regular"/>
+            </a:endParaRPr>
+          </a:p>
+        </p:txBody>
+      </p:sp>
+      <p:sp>
+        <p:nvSpPr>
+          <p:cNvPr id="208" name="TextBox 36"/>
+          <p:cNvSpPr txBox="1"/>
+          <p:nvPr/>
+        </p:nvSpPr>
+        <p:spPr>
+          <a:xfrm>
+            <a:off x="7842811" y="6081813"/>
+            <a:ext cx="1015661" cy="369332"/>
+          </a:xfrm>
+          <a:prstGeom prst="rect">
+            <a:avLst/>
+          </a:prstGeom>
+          <a:ln w="12700">
+            <a:miter lim="400000"/>
+          </a:ln>
+          <a:extLst>
+            <a:ext uri="{C572A759-6A51-4108-AA02-DFA0A04FC94B}">
+              <ma14:wrappingTextBoxFlag xmlns="" xmlns:m="http://schemas.openxmlformats.org/officeDocument/2006/math" xmlns:a14="http://schemas.microsoft.com/office/drawing/2010/main" xmlns:ma14="http://schemas.microsoft.com/office/mac/drawingml/2011/main" val="1"/>
+            </a:ext>
+          </a:extLst>
+        </p:spPr>
+        <p:txBody>
+          <a:bodyPr wrap="none" lIns="45719" rIns="45719">
+            <a:spAutoFit/>
+          </a:bodyPr>
+          <a:lstStyle>
+            <a:lvl1pPr>
+              <a:defRPr>
+                <a:latin typeface="나눔스퀘어라운드 Regular"/>
+                <a:ea typeface="나눔스퀘어라운드 Regular"/>
+                <a:cs typeface="나눔스퀘어라운드 Regular"/>
+                <a:sym typeface="나눔스퀘어라운드 Regular"/>
+              </a:defRPr>
+            </a:lvl1pPr>
+          </a:lstStyle>
+          <a:p>
+            <a:pPr>
+              <a:defRPr>
+                <a:latin typeface="Arial"/>
+                <a:ea typeface="Arial"/>
+                <a:cs typeface="Arial"/>
+                <a:sym typeface="Arial"/>
+              </a:defRPr>
+            </a:pPr>
+            <a:r>
+              <a:rPr lang="ko-KR" altLang="en-US" dirty="0" smtClean="0">
+                <a:latin typeface="Arial"/>
+                <a:cs typeface="Arial"/>
+                <a:sym typeface="Arial"/>
+              </a:rPr>
+              <a:t>로그아웃</a:t>
+            </a:r>
+            <a:endParaRPr dirty="0">
+              <a:latin typeface="나눔스퀘어라운드 Regular"/>
+              <a:ea typeface="나눔스퀘어라운드 Regular"/>
+              <a:cs typeface="나눔스퀘어라운드 Regular"/>
+              <a:sym typeface="나눔스퀘어라운드 Regular"/>
+            </a:endParaRPr>
+          </a:p>
+        </p:txBody>
+      </p:sp>
+    </p:spTree>
+    <p:extLst>
+      <p:ext uri="{BB962C8B-B14F-4D97-AF65-F5344CB8AC3E}">
+        <p14:creationId xmlns:p14="http://schemas.microsoft.com/office/powerpoint/2010/main" val="1314275258"/>
+      </p:ext>
+    </p:extLst>
+  </p:cSld>
+  <p:clrMapOvr>
+    <a:masterClrMapping/>
+  </p:clrMapOvr>
+  <p:transition spd="med"/>
+</p:sld>
+</file>
+
+<file path=ppt/slides/slide14.xml><?xml version="1.0" encoding="utf-8"?>
+<p:sld xmlns:a="http://schemas.openxmlformats.org/drawingml/2006/main" xmlns:r="http://schemas.openxmlformats.org/officeDocument/2006/relationships" xmlns:p="http://schemas.openxmlformats.org/presentationml/2006/main">
+  <p:cSld>
+    <p:spTree>
+      <p:nvGrpSpPr>
+        <p:cNvPr id="1" name=""/>
+        <p:cNvGrpSpPr/>
+        <p:nvPr/>
+      </p:nvGrpSpPr>
+      <p:grpSpPr>
+        <a:xfrm>
+          <a:off x="0" y="0"/>
+          <a:ext cx="0" cy="0"/>
+          <a:chOff x="0" y="0"/>
+          <a:chExt cx="0" cy="0"/>
+        </a:xfrm>
+      </p:grpSpPr>
+      <p:pic>
+        <p:nvPicPr>
+          <p:cNvPr id="197" name="스크린샷 2019-04-24 오후 12.33.32.png"/>
+          <p:cNvPicPr>
+            <a:picLocks noChangeAspect="1"/>
+          </p:cNvPicPr>
+          <p:nvPr/>
+        </p:nvPicPr>
+        <p:blipFill>
+          <a:blip r:embed="rId2">
+            <a:extLst>
+              <a:ext uri="{28A0092B-C50C-407E-A947-70E740481C1C}">
+                <a14:useLocalDpi xmlns:a14="http://schemas.microsoft.com/office/drawing/2010/main" val="0"/>
+              </a:ext>
+            </a:extLst>
+          </a:blip>
+          <a:stretch>
+            <a:fillRect/>
+          </a:stretch>
+        </p:blipFill>
+        <p:spPr>
+          <a:xfrm>
+            <a:off x="1076846" y="1194091"/>
+            <a:ext cx="2714870" cy="4778726"/>
+          </a:xfrm>
+          <a:prstGeom prst="rect">
+            <a:avLst/>
+          </a:prstGeom>
+          <a:ln w="12700">
+            <a:miter lim="400000"/>
+          </a:ln>
+        </p:spPr>
+      </p:pic>
+      <p:pic>
+        <p:nvPicPr>
+          <p:cNvPr id="199" name="스크린샷 2019-04-24 오후 12.40.55.png"/>
+          <p:cNvPicPr>
+            <a:picLocks noChangeAspect="1"/>
+          </p:cNvPicPr>
+          <p:nvPr/>
+        </p:nvPicPr>
+        <p:blipFill>
+          <a:blip r:embed="rId3">
+            <a:extLst>
+              <a:ext uri="{28A0092B-C50C-407E-A947-70E740481C1C}">
+                <a14:useLocalDpi xmlns:a14="http://schemas.microsoft.com/office/drawing/2010/main" val="0"/>
+              </a:ext>
+            </a:extLst>
+          </a:blip>
+          <a:stretch>
+            <a:fillRect/>
+          </a:stretch>
+        </p:blipFill>
+        <p:spPr>
+          <a:xfrm>
+            <a:off x="4874751" y="1194090"/>
+            <a:ext cx="2706108" cy="4778727"/>
+          </a:xfrm>
+          <a:prstGeom prst="rect">
+            <a:avLst/>
+          </a:prstGeom>
+          <a:ln w="12700">
+            <a:miter lim="400000"/>
+          </a:ln>
+        </p:spPr>
+      </p:pic>
+      <p:sp>
+        <p:nvSpPr>
+          <p:cNvPr id="200" name="TextBox 15"/>
+          <p:cNvSpPr txBox="1"/>
+          <p:nvPr/>
+        </p:nvSpPr>
+        <p:spPr>
+          <a:xfrm>
+            <a:off x="9885601" y="6505575"/>
+            <a:ext cx="2236328" cy="239048"/>
+          </a:xfrm>
+          <a:prstGeom prst="rect">
+            <a:avLst/>
+          </a:prstGeom>
+          <a:ln w="12700">
+            <a:miter lim="400000"/>
+          </a:ln>
+          <a:extLst>
+            <a:ext uri="{C572A759-6A51-4108-AA02-DFA0A04FC94B}">
+              <ma14:wrappingTextBoxFlag xmlns="" xmlns:m="http://schemas.openxmlformats.org/officeDocument/2006/math" xmlns:a14="http://schemas.microsoft.com/office/drawing/2010/main" xmlns:ma14="http://schemas.microsoft.com/office/mac/drawingml/2011/main" val="1"/>
+            </a:ext>
+          </a:extLst>
+        </p:spPr>
+        <p:txBody>
+          <a:bodyPr wrap="none" lIns="45719" rIns="45719">
+            <a:spAutoFit/>
+          </a:bodyPr>
+          <a:lstStyle>
+            <a:lvl1pPr algn="r">
+              <a:defRPr sz="800">
+                <a:solidFill>
+                  <a:schemeClr val="accent6"/>
+                </a:solidFill>
+                <a:latin typeface="나눔스퀘어라운드 Regular"/>
+                <a:ea typeface="나눔스퀘어라운드 Regular"/>
+                <a:cs typeface="나눔스퀘어라운드 Regular"/>
+                <a:sym typeface="나눔스퀘어라운드 Regular"/>
+              </a:defRPr>
+            </a:lvl1pPr>
+          </a:lstStyle>
+          <a:p>
+            <a:r>
+              <a:t>Copyrightⓒ. Saebyeol Yu. All Rights Reserved.</a:t>
+            </a:r>
+          </a:p>
+        </p:txBody>
+      </p:sp>
+      <p:sp>
+        <p:nvSpPr>
+          <p:cNvPr id="201" name="직선 연결선 22"/>
+          <p:cNvSpPr/>
+          <p:nvPr/>
+        </p:nvSpPr>
+        <p:spPr>
+          <a:xfrm>
+            <a:off x="1188881" y="273124"/>
+            <a:ext cx="10666422" cy="1"/>
+          </a:xfrm>
+          <a:prstGeom prst="line">
+            <a:avLst/>
+          </a:prstGeom>
+          <a:ln w="19050">
+            <a:solidFill>
+              <a:schemeClr val="accent6"/>
+            </a:solidFill>
+            <a:miter/>
+          </a:ln>
+        </p:spPr>
+        <p:txBody>
+          <a:bodyPr lIns="45719" rIns="45719"/>
+          <a:lstStyle/>
+          <a:p>
+            <a:endParaRPr/>
+          </a:p>
+        </p:txBody>
+      </p:sp>
+      <p:sp>
+        <p:nvSpPr>
+          <p:cNvPr id="202" name="직사각형 23"/>
+          <p:cNvSpPr/>
+          <p:nvPr/>
+        </p:nvSpPr>
+        <p:spPr>
+          <a:xfrm>
+            <a:off x="265814" y="244548"/>
+            <a:ext cx="720001" cy="720001"/>
+          </a:xfrm>
+          <a:prstGeom prst="rect">
+            <a:avLst/>
+          </a:prstGeom>
+          <a:solidFill>
+            <a:srgbClr val="B8BCBB"/>
+          </a:solidFill>
+          <a:ln w="12700">
+            <a:miter lim="400000"/>
+          </a:ln>
+        </p:spPr>
+        <p:txBody>
+          <a:bodyPr lIns="45719" rIns="45719" anchor="ctr"/>
+          <a:lstStyle/>
+          <a:p>
+            <a:pPr algn="ctr">
+              <a:defRPr>
+                <a:solidFill>
+                  <a:srgbClr val="FFFFFF"/>
+                </a:solidFill>
+              </a:defRPr>
+            </a:pPr>
+            <a:endParaRPr/>
+          </a:p>
+        </p:txBody>
+      </p:sp>
+      <p:sp>
+        <p:nvSpPr>
+          <p:cNvPr id="203" name="TextBox 24"/>
+          <p:cNvSpPr txBox="1"/>
+          <p:nvPr/>
+        </p:nvSpPr>
+        <p:spPr>
+          <a:xfrm>
+            <a:off x="490138" y="323244"/>
+            <a:ext cx="259303" cy="584775"/>
+          </a:xfrm>
+          <a:prstGeom prst="rect">
+            <a:avLst/>
+          </a:prstGeom>
+          <a:ln w="12700">
+            <a:miter lim="400000"/>
+          </a:ln>
+          <a:extLst>
+            <a:ext uri="{C572A759-6A51-4108-AA02-DFA0A04FC94B}">
+              <ma14:wrappingTextBoxFlag xmlns="" xmlns:m="http://schemas.openxmlformats.org/officeDocument/2006/math" xmlns:a14="http://schemas.microsoft.com/office/drawing/2010/main" xmlns:ma14="http://schemas.microsoft.com/office/mac/drawingml/2011/main" val="1"/>
+            </a:ext>
+          </a:extLst>
+        </p:spPr>
+        <p:txBody>
+          <a:bodyPr lIns="45719" rIns="45719">
+            <a:spAutoFit/>
+          </a:bodyPr>
+          <a:lstStyle>
+            <a:lvl1pPr algn="ctr">
+              <a:defRPr sz="3200" b="1">
+                <a:solidFill>
+                  <a:srgbClr val="FFFFFF"/>
+                </a:solidFill>
+              </a:defRPr>
+            </a:lvl1pPr>
+          </a:lstStyle>
+          <a:p>
+            <a:r>
+              <a:rPr lang="en-US" altLang="ko-KR"/>
+              <a:t>3</a:t>
+            </a:r>
+            <a:endParaRPr/>
+          </a:p>
+        </p:txBody>
+      </p:sp>
+      <p:grpSp>
+        <p:nvGrpSpPr>
+          <p:cNvPr id="206" name="그룹 25"/>
+          <p:cNvGrpSpPr/>
+          <p:nvPr/>
+        </p:nvGrpSpPr>
+        <p:grpSpPr>
+          <a:xfrm>
+            <a:off x="1188881" y="351818"/>
+            <a:ext cx="1942196" cy="660427"/>
+            <a:chOff x="0" y="0"/>
+            <a:chExt cx="1942195" cy="660425"/>
+          </a:xfrm>
+        </p:grpSpPr>
+        <p:sp>
+          <p:nvSpPr>
+            <p:cNvPr id="204" name="TextBox 26"/>
+            <p:cNvSpPr txBox="1"/>
+            <p:nvPr/>
+          </p:nvSpPr>
+          <p:spPr>
+            <a:xfrm>
+              <a:off x="0" y="0"/>
+              <a:ext cx="1060544" cy="276996"/>
+            </a:xfrm>
+            <a:prstGeom prst="rect">
+              <a:avLst/>
+            </a:prstGeom>
+            <a:noFill/>
+            <a:ln w="12700" cap="flat">
+              <a:noFill/>
+              <a:miter lim="400000"/>
+            </a:ln>
+            <a:effectLst/>
+            <a:extLst>
+              <a:ext uri="{C572A759-6A51-4108-AA02-DFA0A04FC94B}">
+                <ma14:wrappingTextBoxFlag xmlns="" xmlns:m="http://schemas.openxmlformats.org/officeDocument/2006/math" xmlns:a14="http://schemas.microsoft.com/office/drawing/2010/main" xmlns:ma14="http://schemas.microsoft.com/office/mac/drawingml/2011/main" val="1"/>
+              </a:ext>
+            </a:extLst>
+          </p:spPr>
+          <p:txBody>
+            <a:bodyPr wrap="none" lIns="45719" tIns="45719" rIns="45719" bIns="45719" numCol="1" anchor="t">
+              <a:spAutoFit/>
+            </a:bodyPr>
+            <a:lstStyle/>
+            <a:p>
+              <a:pPr>
+                <a:defRPr sz="1200"/>
+              </a:pPr>
+              <a:r>
+                <a:t>00</a:t>
+              </a:r>
+              <a:r>
+                <a:rPr lang="en-US" altLang="ko-KR"/>
+                <a:t>3</a:t>
+              </a:r>
+              <a:r>
+                <a:t> </a:t>
+              </a:r>
+              <a:r>
+                <a:rPr lang="ko-KR" altLang="en-US">
+                  <a:latin typeface="나눔스퀘어라운드 Regular"/>
+                  <a:ea typeface="나눔스퀘어라운드 Regular"/>
+                  <a:cs typeface="나눔스퀘어라운드 Regular"/>
+                  <a:sym typeface="나눔스퀘어라운드 Regular"/>
+                </a:rPr>
+                <a:t>실행 화면</a:t>
+              </a:r>
+              <a:endParaRPr>
+                <a:latin typeface="나눔스퀘어라운드 Regular"/>
+                <a:ea typeface="나눔스퀘어라운드 Regular"/>
+                <a:cs typeface="나눔스퀘어라운드 Regular"/>
+                <a:sym typeface="나눔스퀘어라운드 Regular"/>
+              </a:endParaRPr>
+            </a:p>
+          </p:txBody>
+        </p:sp>
+        <p:sp>
+          <p:nvSpPr>
+            <p:cNvPr id="205" name="TextBox 27"/>
+            <p:cNvSpPr txBox="1"/>
+            <p:nvPr/>
+          </p:nvSpPr>
+          <p:spPr>
+            <a:xfrm>
+              <a:off x="0" y="229541"/>
+              <a:ext cx="1942195" cy="430884"/>
+            </a:xfrm>
+            <a:prstGeom prst="rect">
+              <a:avLst/>
+            </a:prstGeom>
+            <a:noFill/>
+            <a:ln w="12700" cap="flat">
+              <a:noFill/>
+              <a:miter lim="400000"/>
+            </a:ln>
+            <a:effectLst/>
+            <a:extLst>
+              <a:ext uri="{C572A759-6A51-4108-AA02-DFA0A04FC94B}">
+                <ma14:wrappingTextBoxFlag xmlns="" xmlns:m="http://schemas.openxmlformats.org/officeDocument/2006/math" xmlns:a14="http://schemas.microsoft.com/office/drawing/2010/main" xmlns:ma14="http://schemas.microsoft.com/office/mac/drawingml/2011/main" val="1"/>
+              </a:ext>
+            </a:extLst>
+          </p:spPr>
+          <p:txBody>
+            <a:bodyPr wrap="none" lIns="45719" tIns="45719" rIns="45719" bIns="45719" numCol="1" anchor="t">
+              <a:spAutoFit/>
+            </a:bodyPr>
+            <a:lstStyle>
+              <a:lvl1pPr>
+                <a:defRPr sz="2200">
+                  <a:latin typeface="나눔스퀘어라운드 Regular"/>
+                  <a:ea typeface="나눔스퀘어라운드 Regular"/>
+                  <a:cs typeface="나눔스퀘어라운드 Regular"/>
+                  <a:sym typeface="나눔스퀘어라운드 Regular"/>
+                </a:defRPr>
+              </a:lvl1pPr>
+            </a:lstStyle>
+            <a:p>
+              <a:pPr>
+                <a:defRPr>
+                  <a:latin typeface="Arial"/>
+                  <a:ea typeface="Arial"/>
+                  <a:cs typeface="Arial"/>
+                  <a:sym typeface="Arial"/>
+                </a:defRPr>
+              </a:pPr>
+              <a:r>
+                <a:rPr lang="ko-KR" altLang="en-US"/>
+                <a:t>어플 실행 화면</a:t>
+              </a:r>
+            </a:p>
+          </p:txBody>
+        </p:sp>
+      </p:grpSp>
+      <p:sp>
+        <p:nvSpPr>
+          <p:cNvPr id="207" name="TextBox 9"/>
+          <p:cNvSpPr txBox="1"/>
+          <p:nvPr/>
+        </p:nvSpPr>
+        <p:spPr>
+          <a:xfrm>
+            <a:off x="1387841" y="6084830"/>
+            <a:ext cx="2092879" cy="369332"/>
+          </a:xfrm>
+          <a:prstGeom prst="rect">
+            <a:avLst/>
+          </a:prstGeom>
+          <a:ln w="12700">
+            <a:miter lim="400000"/>
+          </a:ln>
+          <a:extLst>
+            <a:ext uri="{C572A759-6A51-4108-AA02-DFA0A04FC94B}">
+              <ma14:wrappingTextBoxFlag xmlns="" xmlns:m="http://schemas.openxmlformats.org/officeDocument/2006/math" xmlns:a14="http://schemas.microsoft.com/office/drawing/2010/main" xmlns:ma14="http://schemas.microsoft.com/office/mac/drawingml/2011/main" val="1"/>
+            </a:ext>
+          </a:extLst>
+        </p:spPr>
+        <p:txBody>
+          <a:bodyPr wrap="none" lIns="45719" rIns="45719">
+            <a:spAutoFit/>
+          </a:bodyPr>
+          <a:lstStyle>
+            <a:lvl1pPr>
+              <a:defRPr>
+                <a:latin typeface="나눔스퀘어라운드 Regular"/>
+                <a:ea typeface="나눔스퀘어라운드 Regular"/>
+                <a:cs typeface="나눔스퀘어라운드 Regular"/>
+                <a:sym typeface="나눔스퀘어라운드 Regular"/>
+              </a:defRPr>
+            </a:lvl1pPr>
+          </a:lstStyle>
+          <a:p>
+            <a:pPr>
+              <a:defRPr>
+                <a:latin typeface="Arial"/>
+                <a:ea typeface="Arial"/>
+                <a:cs typeface="Arial"/>
+                <a:sym typeface="Arial"/>
+              </a:defRPr>
+            </a:pPr>
+            <a:r>
+              <a:rPr lang="ko-KR" altLang="en-US" dirty="0" smtClean="0">
+                <a:latin typeface="나눔스퀘어라운드 Regular"/>
+                <a:ea typeface="나눔스퀘어라운드 Regular"/>
+                <a:cs typeface="나눔스퀘어라운드 Regular"/>
+                <a:sym typeface="나눔스퀘어라운드 Regular"/>
+              </a:rPr>
+              <a:t>지역별 선택 페이지</a:t>
+            </a:r>
+            <a:endParaRPr dirty="0">
+              <a:latin typeface="나눔스퀘어라운드 Regular"/>
+              <a:ea typeface="나눔스퀘어라운드 Regular"/>
+              <a:cs typeface="나눔스퀘어라운드 Regular"/>
+              <a:sym typeface="나눔스퀘어라운드 Regular"/>
+            </a:endParaRPr>
+          </a:p>
+        </p:txBody>
+      </p:sp>
+      <p:sp>
+        <p:nvSpPr>
+          <p:cNvPr id="208" name="TextBox 36"/>
+          <p:cNvSpPr txBox="1"/>
+          <p:nvPr/>
+        </p:nvSpPr>
+        <p:spPr>
+          <a:xfrm>
+            <a:off x="5526330" y="6081813"/>
+            <a:ext cx="1554270" cy="369332"/>
+          </a:xfrm>
+          <a:prstGeom prst="rect">
+            <a:avLst/>
+          </a:prstGeom>
+          <a:ln w="12700">
+            <a:miter lim="400000"/>
+          </a:ln>
+          <a:extLst>
+            <a:ext uri="{C572A759-6A51-4108-AA02-DFA0A04FC94B}">
+              <ma14:wrappingTextBoxFlag xmlns="" xmlns:m="http://schemas.openxmlformats.org/officeDocument/2006/math" xmlns:a14="http://schemas.microsoft.com/office/drawing/2010/main" xmlns:ma14="http://schemas.microsoft.com/office/mac/drawingml/2011/main" val="1"/>
+            </a:ext>
+          </a:extLst>
+        </p:spPr>
+        <p:txBody>
+          <a:bodyPr wrap="none" lIns="45719" rIns="45719">
+            <a:spAutoFit/>
+          </a:bodyPr>
+          <a:lstStyle>
+            <a:lvl1pPr>
+              <a:defRPr>
+                <a:latin typeface="나눔스퀘어라운드 Regular"/>
+                <a:ea typeface="나눔스퀘어라운드 Regular"/>
+                <a:cs typeface="나눔스퀘어라운드 Regular"/>
+                <a:sym typeface="나눔스퀘어라운드 Regular"/>
+              </a:defRPr>
+            </a:lvl1pPr>
+          </a:lstStyle>
+          <a:p>
+            <a:pPr>
+              <a:defRPr>
+                <a:latin typeface="Arial"/>
+                <a:ea typeface="Arial"/>
+                <a:cs typeface="Arial"/>
+                <a:sym typeface="Arial"/>
+              </a:defRPr>
+            </a:pPr>
+            <a:r>
+              <a:rPr lang="ko-KR" altLang="en-US" dirty="0" smtClean="0">
+                <a:latin typeface="나눔스퀘어라운드 Regular"/>
+                <a:ea typeface="나눔스퀘어라운드 Regular"/>
+                <a:cs typeface="나눔스퀘어라운드 Regular"/>
+                <a:sym typeface="나눔스퀘어라운드 Regular"/>
+              </a:rPr>
+              <a:t>캘린더 페이지</a:t>
+            </a:r>
+            <a:endParaRPr dirty="0">
+              <a:latin typeface="나눔스퀘어라운드 Regular"/>
+              <a:ea typeface="나눔스퀘어라운드 Regular"/>
+              <a:cs typeface="나눔스퀘어라운드 Regular"/>
+              <a:sym typeface="나눔스퀘어라운드 Regular"/>
+            </a:endParaRPr>
+          </a:p>
+        </p:txBody>
+      </p:sp>
+      <p:sp>
+        <p:nvSpPr>
+          <p:cNvPr id="209" name="TextBox 37"/>
+          <p:cNvSpPr txBox="1"/>
+          <p:nvPr/>
+        </p:nvSpPr>
+        <p:spPr>
+          <a:xfrm>
+            <a:off x="9529919" y="6081813"/>
+            <a:ext cx="1323437" cy="369332"/>
+          </a:xfrm>
+          <a:prstGeom prst="rect">
+            <a:avLst/>
+          </a:prstGeom>
+          <a:ln w="12700">
+            <a:miter lim="400000"/>
+          </a:ln>
+          <a:extLst>
+            <a:ext uri="{C572A759-6A51-4108-AA02-DFA0A04FC94B}">
+              <ma14:wrappingTextBoxFlag xmlns="" xmlns:m="http://schemas.openxmlformats.org/officeDocument/2006/math" xmlns:a14="http://schemas.microsoft.com/office/drawing/2010/main" xmlns:ma14="http://schemas.microsoft.com/office/mac/drawingml/2011/main" val="1"/>
+            </a:ext>
+          </a:extLst>
+        </p:spPr>
+        <p:txBody>
+          <a:bodyPr wrap="none" lIns="45719" rIns="45719">
+            <a:spAutoFit/>
+          </a:bodyPr>
+          <a:lstStyle>
+            <a:lvl1pPr>
+              <a:defRPr>
+                <a:latin typeface="나눔스퀘어라운드 Regular"/>
+                <a:ea typeface="나눔스퀘어라운드 Regular"/>
+                <a:cs typeface="나눔스퀘어라운드 Regular"/>
+                <a:sym typeface="나눔스퀘어라운드 Regular"/>
+              </a:defRPr>
+            </a:lvl1pPr>
+          </a:lstStyle>
+          <a:p>
+            <a:pPr>
+              <a:defRPr>
+                <a:latin typeface="Arial"/>
+                <a:ea typeface="Arial"/>
+                <a:cs typeface="Arial"/>
+                <a:sym typeface="Arial"/>
+              </a:defRPr>
+            </a:pPr>
+            <a:r>
+              <a:rPr lang="ko-KR" altLang="en-US" dirty="0" smtClean="0">
+                <a:latin typeface="나눔스퀘어라운드 Regular"/>
+                <a:ea typeface="나눔스퀘어라운드 Regular"/>
+                <a:cs typeface="나눔스퀘어라운드 Regular"/>
+                <a:sym typeface="나눔스퀘어라운드 Regular"/>
+              </a:rPr>
+              <a:t>캘린더 클릭</a:t>
+            </a:r>
+            <a:endParaRPr dirty="0">
+              <a:latin typeface="나눔스퀘어라운드 Regular"/>
+              <a:ea typeface="나눔스퀘어라운드 Regular"/>
+              <a:cs typeface="나눔스퀘어라운드 Regular"/>
+              <a:sym typeface="나눔스퀘어라운드 Regular"/>
+            </a:endParaRPr>
+          </a:p>
+        </p:txBody>
+      </p:sp>
+      <p:sp>
+        <p:nvSpPr>
+          <p:cNvPr id="15" name="직사각형 14"/>
+          <p:cNvSpPr/>
+          <p:nvPr/>
+        </p:nvSpPr>
+        <p:spPr>
+          <a:xfrm>
+            <a:off x="8684523" y="1194089"/>
+            <a:ext cx="2828207" cy="4778727"/>
+          </a:xfrm>
+          <a:prstGeom prst="rect">
+            <a:avLst/>
+          </a:prstGeom>
+          <a:blipFill dpi="0" rotWithShape="1">
+            <a:blip r:embed="rId4">
+              <a:extLst>
+                <a:ext uri="{28A0092B-C50C-407E-A947-70E740481C1C}">
+                  <a14:useLocalDpi xmlns:a14="http://schemas.microsoft.com/office/drawing/2010/main" val="0"/>
+                </a:ext>
+              </a:extLst>
+            </a:blip>
+            <a:srcRect/>
+            <a:stretch>
+              <a:fillRect/>
+            </a:stretch>
+          </a:blipFill>
+          <a:ln w="12700" cap="flat">
+            <a:noFill/>
+            <a:prstDash val="solid"/>
+            <a:miter lim="800000"/>
+          </a:ln>
+          <a:effectLst/>
+          <a:sp3d/>
+        </p:spPr>
+        <p:style>
+          <a:lnRef idx="0">
+            <a:scrgbClr r="0" g="0" b="0"/>
+          </a:lnRef>
+          <a:fillRef idx="0">
+            <a:scrgbClr r="0" g="0" b="0"/>
+          </a:fillRef>
+          <a:effectRef idx="0">
+            <a:scrgbClr r="0" g="0" b="0"/>
+          </a:effectRef>
+          <a:fontRef idx="none"/>
+        </p:style>
+        <p:txBody>
+          <a:bodyPr rot="0" spcFirstLastPara="1" vertOverflow="overflow" horzOverflow="overflow" vert="horz" wrap="square" lIns="45719" tIns="45719" rIns="45719" bIns="45719" numCol="1" spcCol="38100" rtlCol="0" anchor="ctr">
+            <a:spAutoFit/>
+          </a:bodyPr>
+          <a:lstStyle/>
+          <a:p>
+            <a:pPr marL="0" marR="0" indent="0" algn="l" defTabSz="914400" rtl="0" fontAlgn="auto" latinLnBrk="0" hangingPunct="0">
+              <a:lnSpc>
+                <a:spcPct val="100000"/>
+              </a:lnSpc>
+              <a:spcBef>
+                <a:spcPts val="0"/>
+              </a:spcBef>
+              <a:spcAft>
+                <a:spcPts val="0"/>
+              </a:spcAft>
+              <a:buClrTx/>
+              <a:buSzTx/>
+              <a:buFontTx/>
+              <a:buNone/>
+              <a:tabLst/>
+            </a:pPr>
+            <a:endParaRPr kumimoji="0" lang="ko-KR" altLang="en-US" sz="1800" b="0" i="0" u="none" strike="noStrike" cap="none" spc="0" normalizeH="0" baseline="0">
+              <a:ln>
+                <a:noFill/>
+              </a:ln>
+              <a:solidFill>
+                <a:srgbClr val="3A3838"/>
+              </a:solidFill>
+              <a:effectLst/>
+              <a:uFillTx/>
+              <a:latin typeface="Arial"/>
+              <a:ea typeface="Arial"/>
+              <a:cs typeface="Arial"/>
+              <a:sym typeface="Arial"/>
+            </a:endParaRPr>
+          </a:p>
+        </p:txBody>
+      </p:sp>
+    </p:spTree>
+    <p:extLst>
+      <p:ext uri="{BB962C8B-B14F-4D97-AF65-F5344CB8AC3E}">
+        <p14:creationId xmlns:p14="http://schemas.microsoft.com/office/powerpoint/2010/main" val="4113903655"/>
+      </p:ext>
+    </p:extLst>
+  </p:cSld>
+  <p:clrMapOvr>
+    <a:masterClrMapping/>
+  </p:clrMapOvr>
+  <p:transition spd="med"/>
+</p:sld>
+</file>
+
+<file path=ppt/slides/slide15.xml><?xml version="1.0" encoding="utf-8"?>
+<p:sld xmlns:a="http://schemas.openxmlformats.org/drawingml/2006/main" xmlns:r="http://schemas.openxmlformats.org/officeDocument/2006/relationships" xmlns:p="http://schemas.openxmlformats.org/presentationml/2006/main">
+  <p:cSld>
+    <p:spTree>
+      <p:nvGrpSpPr>
+        <p:cNvPr id="1" name=""/>
+        <p:cNvGrpSpPr/>
+        <p:nvPr/>
+      </p:nvGrpSpPr>
+      <p:grpSpPr>
+        <a:xfrm>
+          <a:off x="0" y="0"/>
+          <a:ext cx="0" cy="0"/>
+          <a:chOff x="0" y="0"/>
+          <a:chExt cx="0" cy="0"/>
+        </a:xfrm>
+      </p:grpSpPr>
       <p:grpSp>
         <p:nvGrpSpPr>
           <p:cNvPr id="264" name="그룹 15"/>
@@ -4203,7 +6117,7 @@
             <a:effectLst/>
             <a:extLst>
               <a:ext uri="{C572A759-6A51-4108-AA02-DFA0A04FC94B}">
-                <ma14:wrappingTextBoxFlag xmlns:ma14="http://schemas.microsoft.com/office/mac/drawingml/2011/main" xmlns:a14="http://schemas.microsoft.com/office/drawing/2010/main" xmlns:m="http://schemas.openxmlformats.org/officeDocument/2006/math" xmlns="" val="1"/>
+                <ma14:wrappingTextBoxFlag xmlns="" xmlns:m="http://schemas.openxmlformats.org/officeDocument/2006/math" xmlns:a14="http://schemas.microsoft.com/office/drawing/2010/main" xmlns:ma14="http://schemas.microsoft.com/office/mac/drawingml/2011/main" val="1"/>
               </a:ext>
             </a:extLst>
           </p:spPr>
@@ -4251,7 +6165,7 @@
             <a:effectLst/>
             <a:extLst>
               <a:ext uri="{C572A759-6A51-4108-AA02-DFA0A04FC94B}">
-                <ma14:wrappingTextBoxFlag xmlns:ma14="http://schemas.microsoft.com/office/mac/drawingml/2011/main" xmlns:a14="http://schemas.microsoft.com/office/drawing/2010/main" xmlns:m="http://schemas.openxmlformats.org/officeDocument/2006/math" xmlns="" val="1"/>
+                <ma14:wrappingTextBoxFlag xmlns="" xmlns:m="http://schemas.openxmlformats.org/officeDocument/2006/math" xmlns:a14="http://schemas.microsoft.com/office/drawing/2010/main" xmlns:ma14="http://schemas.microsoft.com/office/mac/drawingml/2011/main" val="1"/>
               </a:ext>
             </a:extLst>
           </p:spPr>
@@ -4297,7 +6211,7 @@
           </a:ln>
           <a:extLst>
             <a:ext uri="{C572A759-6A51-4108-AA02-DFA0A04FC94B}">
-              <ma14:wrappingTextBoxFlag xmlns:ma14="http://schemas.microsoft.com/office/mac/drawingml/2011/main" xmlns:a14="http://schemas.microsoft.com/office/drawing/2010/main" xmlns:m="http://schemas.openxmlformats.org/officeDocument/2006/math" xmlns="" val="1"/>
+              <ma14:wrappingTextBoxFlag xmlns="" xmlns:m="http://schemas.openxmlformats.org/officeDocument/2006/math" xmlns:a14="http://schemas.microsoft.com/office/drawing/2010/main" xmlns:ma14="http://schemas.microsoft.com/office/mac/drawingml/2011/main" val="1"/>
             </a:ext>
           </a:extLst>
         </p:spPr>
@@ -4345,7 +6259,7 @@
           </a:ln>
           <a:extLst>
             <a:ext uri="{C572A759-6A51-4108-AA02-DFA0A04FC94B}">
-              <ma14:wrappingTextBoxFlag xmlns:ma14="http://schemas.microsoft.com/office/mac/drawingml/2011/main" xmlns:a14="http://schemas.microsoft.com/office/drawing/2010/main" xmlns:m="http://schemas.openxmlformats.org/officeDocument/2006/math" xmlns="" val="1"/>
+              <ma14:wrappingTextBoxFlag xmlns="" xmlns:m="http://schemas.openxmlformats.org/officeDocument/2006/math" xmlns:a14="http://schemas.microsoft.com/office/drawing/2010/main" xmlns:ma14="http://schemas.microsoft.com/office/mac/drawingml/2011/main" val="1"/>
             </a:ext>
           </a:extLst>
         </p:spPr>
@@ -4392,7 +6306,7 @@
           </a:ln>
           <a:extLst>
             <a:ext uri="{C572A759-6A51-4108-AA02-DFA0A04FC94B}">
-              <ma14:wrappingTextBoxFlag xmlns:ma14="http://schemas.microsoft.com/office/mac/drawingml/2011/main" xmlns:a14="http://schemas.microsoft.com/office/drawing/2010/main" xmlns:m="http://schemas.openxmlformats.org/officeDocument/2006/math" xmlns="" val="1"/>
+              <ma14:wrappingTextBoxFlag xmlns="" xmlns:m="http://schemas.openxmlformats.org/officeDocument/2006/math" xmlns:a14="http://schemas.microsoft.com/office/drawing/2010/main" xmlns:ma14="http://schemas.microsoft.com/office/mac/drawingml/2011/main" val="1"/>
             </a:ext>
           </a:extLst>
         </p:spPr>
@@ -4468,7 +6382,7 @@
           </a:ln>
           <a:extLst>
             <a:ext uri="{C572A759-6A51-4108-AA02-DFA0A04FC94B}">
-              <ma14:wrappingTextBoxFlag xmlns:ma14="http://schemas.microsoft.com/office/mac/drawingml/2011/main" xmlns:a14="http://schemas.microsoft.com/office/drawing/2010/main" xmlns:m="http://schemas.openxmlformats.org/officeDocument/2006/math" xmlns="" val="1"/>
+              <ma14:wrappingTextBoxFlag xmlns="" xmlns:m="http://schemas.openxmlformats.org/officeDocument/2006/math" xmlns:a14="http://schemas.microsoft.com/office/drawing/2010/main" xmlns:ma14="http://schemas.microsoft.com/office/mac/drawingml/2011/main" val="1"/>
             </a:ext>
           </a:extLst>
         </p:spPr>
@@ -4495,7 +6409,7 @@
 </p:sld>
 </file>
 
-<file path=ppt/slides/slide13.xml><?xml version="1.0" encoding="utf-8"?>
+<file path=ppt/slides/slide16.xml><?xml version="1.0" encoding="utf-8"?>
 <p:sld xmlns:a="http://schemas.openxmlformats.org/drawingml/2006/main" xmlns:r="http://schemas.openxmlformats.org/officeDocument/2006/relationships" xmlns:p="http://schemas.openxmlformats.org/presentationml/2006/main">
   <p:cSld>
     <p:spTree>
@@ -4548,7 +6462,7 @@
             <a:effectLst/>
             <a:extLst>
               <a:ext uri="{C572A759-6A51-4108-AA02-DFA0A04FC94B}">
-                <ma14:wrappingTextBoxFlag xmlns:ma14="http://schemas.microsoft.com/office/mac/drawingml/2011/main" xmlns:a14="http://schemas.microsoft.com/office/drawing/2010/main" xmlns:m="http://schemas.openxmlformats.org/officeDocument/2006/math" xmlns="" val="1"/>
+                <ma14:wrappingTextBoxFlag xmlns="" xmlns:m="http://schemas.openxmlformats.org/officeDocument/2006/math" xmlns:a14="http://schemas.microsoft.com/office/drawing/2010/main" xmlns:ma14="http://schemas.microsoft.com/office/mac/drawingml/2011/main" val="1"/>
               </a:ext>
             </a:extLst>
           </p:spPr>
@@ -4614,7 +6528,7 @@
             <a:effectLst/>
             <a:extLst>
               <a:ext uri="{C572A759-6A51-4108-AA02-DFA0A04FC94B}">
-                <ma14:wrappingTextBoxFlag xmlns:ma14="http://schemas.microsoft.com/office/mac/drawingml/2011/main" xmlns:a14="http://schemas.microsoft.com/office/drawing/2010/main" xmlns:m="http://schemas.openxmlformats.org/officeDocument/2006/math" xmlns="" val="1"/>
+                <ma14:wrappingTextBoxFlag xmlns="" xmlns:m="http://schemas.openxmlformats.org/officeDocument/2006/math" xmlns:a14="http://schemas.microsoft.com/office/drawing/2010/main" xmlns:ma14="http://schemas.microsoft.com/office/mac/drawingml/2011/main" val="1"/>
               </a:ext>
             </a:extLst>
           </p:spPr>
@@ -4678,7 +6592,7 @@
           </a:ln>
           <a:extLst>
             <a:ext uri="{C572A759-6A51-4108-AA02-DFA0A04FC94B}">
-              <ma14:wrappingTextBoxFlag xmlns:ma14="http://schemas.microsoft.com/office/mac/drawingml/2011/main" xmlns:a14="http://schemas.microsoft.com/office/drawing/2010/main" xmlns:m="http://schemas.openxmlformats.org/officeDocument/2006/math" xmlns="" val="1"/>
+              <ma14:wrappingTextBoxFlag xmlns="" xmlns:m="http://schemas.openxmlformats.org/officeDocument/2006/math" xmlns:a14="http://schemas.microsoft.com/office/drawing/2010/main" xmlns:ma14="http://schemas.microsoft.com/office/mac/drawingml/2011/main" val="1"/>
             </a:ext>
           </a:extLst>
         </p:spPr>
@@ -4759,7 +6673,7 @@
           </a:ln>
           <a:extLst>
             <a:ext uri="{C572A759-6A51-4108-AA02-DFA0A04FC94B}">
-              <ma14:wrappingTextBoxFlag xmlns:ma14="http://schemas.microsoft.com/office/mac/drawingml/2011/main" xmlns:a14="http://schemas.microsoft.com/office/drawing/2010/main" xmlns:m="http://schemas.openxmlformats.org/officeDocument/2006/math" xmlns="" val="1"/>
+              <ma14:wrappingTextBoxFlag xmlns="" xmlns:m="http://schemas.openxmlformats.org/officeDocument/2006/math" xmlns:a14="http://schemas.microsoft.com/office/drawing/2010/main" xmlns:ma14="http://schemas.microsoft.com/office/mac/drawingml/2011/main" val="1"/>
             </a:ext>
           </a:extLst>
         </p:spPr>
@@ -4819,7 +6733,7 @@
             <a:effectLst/>
             <a:extLst>
               <a:ext uri="{C572A759-6A51-4108-AA02-DFA0A04FC94B}">
-                <ma14:wrappingTextBoxFlag xmlns:ma14="http://schemas.microsoft.com/office/mac/drawingml/2011/main" xmlns:a14="http://schemas.microsoft.com/office/drawing/2010/main" xmlns:m="http://schemas.openxmlformats.org/officeDocument/2006/math" xmlns="" val="1"/>
+                <ma14:wrappingTextBoxFlag xmlns="" xmlns:m="http://schemas.openxmlformats.org/officeDocument/2006/math" xmlns:a14="http://schemas.microsoft.com/office/drawing/2010/main" xmlns:ma14="http://schemas.microsoft.com/office/mac/drawingml/2011/main" val="1"/>
               </a:ext>
             </a:extLst>
           </p:spPr>
@@ -4931,7 +6845,7 @@
             <a:effectLst/>
             <a:extLst>
               <a:ext uri="{C572A759-6A51-4108-AA02-DFA0A04FC94B}">
-                <ma14:wrappingTextBoxFlag xmlns:ma14="http://schemas.microsoft.com/office/mac/drawingml/2011/main" xmlns:a14="http://schemas.microsoft.com/office/drawing/2010/main" xmlns:m="http://schemas.openxmlformats.org/officeDocument/2006/math" xmlns="" val="1"/>
+                <ma14:wrappingTextBoxFlag xmlns="" xmlns:m="http://schemas.openxmlformats.org/officeDocument/2006/math" xmlns:a14="http://schemas.microsoft.com/office/drawing/2010/main" xmlns:ma14="http://schemas.microsoft.com/office/mac/drawingml/2011/main" val="1"/>
               </a:ext>
             </a:extLst>
           </p:spPr>
@@ -5001,7 +6915,7 @@
               <a:effectLst/>
               <a:extLst>
                 <a:ext uri="{C572A759-6A51-4108-AA02-DFA0A04FC94B}">
-                  <ma14:wrappingTextBoxFlag xmlns:ma14="http://schemas.microsoft.com/office/mac/drawingml/2011/main" xmlns:a14="http://schemas.microsoft.com/office/drawing/2010/main" xmlns:m="http://schemas.openxmlformats.org/officeDocument/2006/math" xmlns="" val="1"/>
+                  <ma14:wrappingTextBoxFlag xmlns="" xmlns:m="http://schemas.openxmlformats.org/officeDocument/2006/math" xmlns:a14="http://schemas.microsoft.com/office/drawing/2010/main" xmlns:ma14="http://schemas.microsoft.com/office/mac/drawingml/2011/main" val="1"/>
                 </a:ext>
               </a:extLst>
             </p:spPr>
@@ -5047,7 +6961,7 @@
               <a:effectLst/>
               <a:extLst>
                 <a:ext uri="{C572A759-6A51-4108-AA02-DFA0A04FC94B}">
-                  <ma14:wrappingTextBoxFlag xmlns:ma14="http://schemas.microsoft.com/office/mac/drawingml/2011/main" xmlns:a14="http://schemas.microsoft.com/office/drawing/2010/main" xmlns:m="http://schemas.openxmlformats.org/officeDocument/2006/math" xmlns="" val="1"/>
+                  <ma14:wrappingTextBoxFlag xmlns="" xmlns:m="http://schemas.openxmlformats.org/officeDocument/2006/math" xmlns:a14="http://schemas.microsoft.com/office/drawing/2010/main" xmlns:ma14="http://schemas.microsoft.com/office/mac/drawingml/2011/main" val="1"/>
                 </a:ext>
               </a:extLst>
             </p:spPr>
@@ -5126,7 +7040,7 @@
               <a:effectLst/>
               <a:extLst>
                 <a:ext uri="{C572A759-6A51-4108-AA02-DFA0A04FC94B}">
-                  <ma14:wrappingTextBoxFlag xmlns:ma14="http://schemas.microsoft.com/office/mac/drawingml/2011/main" xmlns:a14="http://schemas.microsoft.com/office/drawing/2010/main" xmlns:m="http://schemas.openxmlformats.org/officeDocument/2006/math" xmlns="" val="1"/>
+                  <ma14:wrappingTextBoxFlag xmlns="" xmlns:m="http://schemas.openxmlformats.org/officeDocument/2006/math" xmlns:a14="http://schemas.microsoft.com/office/drawing/2010/main" xmlns:ma14="http://schemas.microsoft.com/office/mac/drawingml/2011/main" val="1"/>
                 </a:ext>
               </a:extLst>
             </p:spPr>
@@ -5172,7 +7086,7 @@
               <a:effectLst/>
               <a:extLst>
                 <a:ext uri="{C572A759-6A51-4108-AA02-DFA0A04FC94B}">
-                  <ma14:wrappingTextBoxFlag xmlns:ma14="http://schemas.microsoft.com/office/mac/drawingml/2011/main" xmlns:a14="http://schemas.microsoft.com/office/drawing/2010/main" xmlns:m="http://schemas.openxmlformats.org/officeDocument/2006/math" xmlns="" val="1"/>
+                  <ma14:wrappingTextBoxFlag xmlns="" xmlns:m="http://schemas.openxmlformats.org/officeDocument/2006/math" xmlns:a14="http://schemas.microsoft.com/office/drawing/2010/main" xmlns:ma14="http://schemas.microsoft.com/office/mac/drawingml/2011/main" val="1"/>
                 </a:ext>
               </a:extLst>
             </p:spPr>
@@ -5275,7 +7189,7 @@
               <a:effectLst/>
               <a:extLst>
                 <a:ext uri="{C572A759-6A51-4108-AA02-DFA0A04FC94B}">
-                  <ma14:wrappingTextBoxFlag xmlns:ma14="http://schemas.microsoft.com/office/mac/drawingml/2011/main" xmlns:a14="http://schemas.microsoft.com/office/drawing/2010/main" xmlns:m="http://schemas.openxmlformats.org/officeDocument/2006/math" xmlns="" val="1"/>
+                  <ma14:wrappingTextBoxFlag xmlns="" xmlns:m="http://schemas.openxmlformats.org/officeDocument/2006/math" xmlns:a14="http://schemas.microsoft.com/office/drawing/2010/main" xmlns:ma14="http://schemas.microsoft.com/office/mac/drawingml/2011/main" val="1"/>
                 </a:ext>
               </a:extLst>
             </p:spPr>
@@ -5321,7 +7235,7 @@
               <a:effectLst/>
               <a:extLst>
                 <a:ext uri="{C572A759-6A51-4108-AA02-DFA0A04FC94B}">
-                  <ma14:wrappingTextBoxFlag xmlns:ma14="http://schemas.microsoft.com/office/mac/drawingml/2011/main" xmlns:a14="http://schemas.microsoft.com/office/drawing/2010/main" xmlns:m="http://schemas.openxmlformats.org/officeDocument/2006/math" xmlns="" val="1"/>
+                  <ma14:wrappingTextBoxFlag xmlns="" xmlns:m="http://schemas.openxmlformats.org/officeDocument/2006/math" xmlns:a14="http://schemas.microsoft.com/office/drawing/2010/main" xmlns:ma14="http://schemas.microsoft.com/office/mac/drawingml/2011/main" val="1"/>
                 </a:ext>
               </a:extLst>
             </p:spPr>
@@ -5387,7 +7301,7 @@
             <a:effectLst/>
             <a:extLst>
               <a:ext uri="{C572A759-6A51-4108-AA02-DFA0A04FC94B}">
-                <ma14:wrappingTextBoxFlag xmlns:ma14="http://schemas.microsoft.com/office/mac/drawingml/2011/main" xmlns:a14="http://schemas.microsoft.com/office/drawing/2010/main" xmlns:m="http://schemas.openxmlformats.org/officeDocument/2006/math" xmlns="" val="1"/>
+                <ma14:wrappingTextBoxFlag xmlns="" xmlns:m="http://schemas.openxmlformats.org/officeDocument/2006/math" xmlns:a14="http://schemas.microsoft.com/office/drawing/2010/main" xmlns:ma14="http://schemas.microsoft.com/office/mac/drawingml/2011/main" val="1"/>
               </a:ext>
             </a:extLst>
           </p:spPr>
@@ -5638,7 +7552,7 @@
           </a:ln>
           <a:extLst>
             <a:ext uri="{C572A759-6A51-4108-AA02-DFA0A04FC94B}">
-              <ma14:wrappingTextBoxFlag xmlns:ma14="http://schemas.microsoft.com/office/mac/drawingml/2011/main" xmlns:a14="http://schemas.microsoft.com/office/drawing/2010/main" xmlns:m="http://schemas.openxmlformats.org/officeDocument/2006/math" xmlns="" val="1"/>
+              <ma14:wrappingTextBoxFlag xmlns="" xmlns:m="http://schemas.openxmlformats.org/officeDocument/2006/math" xmlns:a14="http://schemas.microsoft.com/office/drawing/2010/main" xmlns:ma14="http://schemas.microsoft.com/office/mac/drawingml/2011/main" val="1"/>
             </a:ext>
           </a:extLst>
         </p:spPr>
@@ -5681,7 +7595,7 @@
           </a:ln>
           <a:extLst>
             <a:ext uri="{C572A759-6A51-4108-AA02-DFA0A04FC94B}">
-              <ma14:wrappingTextBoxFlag xmlns:ma14="http://schemas.microsoft.com/office/mac/drawingml/2011/main" xmlns:a14="http://schemas.microsoft.com/office/drawing/2010/main" xmlns:m="http://schemas.openxmlformats.org/officeDocument/2006/math" xmlns="" val="1"/>
+              <ma14:wrappingTextBoxFlag xmlns="" xmlns:m="http://schemas.openxmlformats.org/officeDocument/2006/math" xmlns:a14="http://schemas.microsoft.com/office/drawing/2010/main" xmlns:ma14="http://schemas.microsoft.com/office/mac/drawingml/2011/main" val="1"/>
             </a:ext>
           </a:extLst>
         </p:spPr>
@@ -5728,7 +7642,7 @@
           </a:ln>
           <a:extLst>
             <a:ext uri="{C572A759-6A51-4108-AA02-DFA0A04FC94B}">
-              <ma14:wrappingTextBoxFlag xmlns:ma14="http://schemas.microsoft.com/office/mac/drawingml/2011/main" xmlns:a14="http://schemas.microsoft.com/office/drawing/2010/main" xmlns:m="http://schemas.openxmlformats.org/officeDocument/2006/math" xmlns="" val="1"/>
+              <ma14:wrappingTextBoxFlag xmlns="" xmlns:m="http://schemas.openxmlformats.org/officeDocument/2006/math" xmlns:a14="http://schemas.microsoft.com/office/drawing/2010/main" xmlns:ma14="http://schemas.microsoft.com/office/mac/drawingml/2011/main" val="1"/>
             </a:ext>
           </a:extLst>
         </p:spPr>
@@ -5804,7 +7718,7 @@
           </a:ln>
           <a:extLst>
             <a:ext uri="{C572A759-6A51-4108-AA02-DFA0A04FC94B}">
-              <ma14:wrappingTextBoxFlag xmlns:ma14="http://schemas.microsoft.com/office/mac/drawingml/2011/main" xmlns:a14="http://schemas.microsoft.com/office/drawing/2010/main" xmlns:m="http://schemas.openxmlformats.org/officeDocument/2006/math" xmlns="" val="1"/>
+              <ma14:wrappingTextBoxFlag xmlns="" xmlns:m="http://schemas.openxmlformats.org/officeDocument/2006/math" xmlns:a14="http://schemas.microsoft.com/office/drawing/2010/main" xmlns:ma14="http://schemas.microsoft.com/office/mac/drawingml/2011/main" val="1"/>
             </a:ext>
           </a:extLst>
         </p:spPr>
@@ -5987,7 +7901,7 @@
           </a:ln>
           <a:extLst>
             <a:ext uri="{C572A759-6A51-4108-AA02-DFA0A04FC94B}">
-              <ma14:wrappingTextBoxFlag xmlns:ma14="http://schemas.microsoft.com/office/mac/drawingml/2011/main" xmlns:a14="http://schemas.microsoft.com/office/drawing/2010/main" xmlns:m="http://schemas.openxmlformats.org/officeDocument/2006/math" xmlns="" val="1"/>
+              <ma14:wrappingTextBoxFlag xmlns="" xmlns:m="http://schemas.openxmlformats.org/officeDocument/2006/math" xmlns:a14="http://schemas.microsoft.com/office/drawing/2010/main" xmlns:ma14="http://schemas.microsoft.com/office/mac/drawingml/2011/main" val="1"/>
             </a:ext>
           </a:extLst>
         </p:spPr>
@@ -6101,7 +8015,7 @@
           </a:ln>
           <a:extLst>
             <a:ext uri="{C572A759-6A51-4108-AA02-DFA0A04FC94B}">
-              <ma14:wrappingTextBoxFlag xmlns:ma14="http://schemas.microsoft.com/office/mac/drawingml/2011/main" xmlns:a14="http://schemas.microsoft.com/office/drawing/2010/main" xmlns:m="http://schemas.openxmlformats.org/officeDocument/2006/math" xmlns="" val="1"/>
+              <ma14:wrappingTextBoxFlag xmlns="" xmlns:m="http://schemas.openxmlformats.org/officeDocument/2006/math" xmlns:a14="http://schemas.microsoft.com/office/drawing/2010/main" xmlns:ma14="http://schemas.microsoft.com/office/mac/drawingml/2011/main" val="1"/>
             </a:ext>
           </a:extLst>
         </p:spPr>
@@ -6292,7 +8206,7 @@
           </a:ln>
           <a:extLst>
             <a:ext uri="{C572A759-6A51-4108-AA02-DFA0A04FC94B}">
-              <ma14:wrappingTextBoxFlag xmlns:ma14="http://schemas.microsoft.com/office/mac/drawingml/2011/main" xmlns:a14="http://schemas.microsoft.com/office/drawing/2010/main" xmlns:m="http://schemas.openxmlformats.org/officeDocument/2006/math" xmlns="" val="1"/>
+              <ma14:wrappingTextBoxFlag xmlns="" xmlns:m="http://schemas.openxmlformats.org/officeDocument/2006/math" xmlns:a14="http://schemas.microsoft.com/office/drawing/2010/main" xmlns:ma14="http://schemas.microsoft.com/office/mac/drawingml/2011/main" val="1"/>
             </a:ext>
           </a:extLst>
         </p:spPr>
@@ -6463,7 +8377,7 @@
           </a:ln>
           <a:extLst>
             <a:ext uri="{C572A759-6A51-4108-AA02-DFA0A04FC94B}">
-              <ma14:wrappingTextBoxFlag xmlns:ma14="http://schemas.microsoft.com/office/mac/drawingml/2011/main" xmlns:a14="http://schemas.microsoft.com/office/drawing/2010/main" xmlns:m="http://schemas.openxmlformats.org/officeDocument/2006/math" xmlns="" val="1"/>
+              <ma14:wrappingTextBoxFlag xmlns="" xmlns:m="http://schemas.openxmlformats.org/officeDocument/2006/math" xmlns:a14="http://schemas.microsoft.com/office/drawing/2010/main" xmlns:ma14="http://schemas.microsoft.com/office/mac/drawingml/2011/main" val="1"/>
             </a:ext>
           </a:extLst>
         </p:spPr>
@@ -6523,7 +8437,7 @@
             <a:effectLst/>
             <a:extLst>
               <a:ext uri="{C572A759-6A51-4108-AA02-DFA0A04FC94B}">
-                <ma14:wrappingTextBoxFlag xmlns:ma14="http://schemas.microsoft.com/office/mac/drawingml/2011/main" xmlns:a14="http://schemas.microsoft.com/office/drawing/2010/main" xmlns:m="http://schemas.openxmlformats.org/officeDocument/2006/math" xmlns="" val="1"/>
+                <ma14:wrappingTextBoxFlag xmlns="" xmlns:m="http://schemas.openxmlformats.org/officeDocument/2006/math" xmlns:a14="http://schemas.microsoft.com/office/drawing/2010/main" xmlns:ma14="http://schemas.microsoft.com/office/mac/drawingml/2011/main" val="1"/>
               </a:ext>
             </a:extLst>
           </p:spPr>
@@ -6580,7 +8494,7 @@
             <a:effectLst/>
             <a:extLst>
               <a:ext uri="{C572A759-6A51-4108-AA02-DFA0A04FC94B}">
-                <ma14:wrappingTextBoxFlag xmlns:ma14="http://schemas.microsoft.com/office/mac/drawingml/2011/main" xmlns:a14="http://schemas.microsoft.com/office/drawing/2010/main" xmlns:m="http://schemas.openxmlformats.org/officeDocument/2006/math" xmlns="" val="1"/>
+                <ma14:wrappingTextBoxFlag xmlns="" xmlns:m="http://schemas.openxmlformats.org/officeDocument/2006/math" xmlns:a14="http://schemas.microsoft.com/office/drawing/2010/main" xmlns:ma14="http://schemas.microsoft.com/office/mac/drawingml/2011/main" val="1"/>
               </a:ext>
             </a:extLst>
           </p:spPr>
@@ -6640,7 +8554,7 @@
           </a:ln>
           <a:extLst>
             <a:ext uri="{C572A759-6A51-4108-AA02-DFA0A04FC94B}">
-              <ma14:wrappingTextBoxFlag xmlns:ma14="http://schemas.microsoft.com/office/mac/drawingml/2011/main" xmlns:a14="http://schemas.microsoft.com/office/drawing/2010/main" xmlns:m="http://schemas.openxmlformats.org/officeDocument/2006/math" xmlns="" val="1"/>
+              <ma14:wrappingTextBoxFlag xmlns="" xmlns:m="http://schemas.openxmlformats.org/officeDocument/2006/math" xmlns:a14="http://schemas.microsoft.com/office/drawing/2010/main" xmlns:ma14="http://schemas.microsoft.com/office/mac/drawingml/2011/main" val="1"/>
             </a:ext>
           </a:extLst>
         </p:spPr>
@@ -6790,7 +8704,7 @@
           </a:ln>
           <a:extLst>
             <a:ext uri="{C572A759-6A51-4108-AA02-DFA0A04FC94B}">
-              <ma14:wrappingTextBoxFlag xmlns:ma14="http://schemas.microsoft.com/office/mac/drawingml/2011/main" xmlns:a14="http://schemas.microsoft.com/office/drawing/2010/main" xmlns:m="http://schemas.openxmlformats.org/officeDocument/2006/math" xmlns="" val="1"/>
+              <ma14:wrappingTextBoxFlag xmlns="" xmlns:m="http://schemas.openxmlformats.org/officeDocument/2006/math" xmlns:a14="http://schemas.microsoft.com/office/drawing/2010/main" xmlns:ma14="http://schemas.microsoft.com/office/mac/drawingml/2011/main" val="1"/>
             </a:ext>
           </a:extLst>
         </p:spPr>
@@ -6861,7 +8775,7 @@
           </a:ln>
           <a:extLst>
             <a:ext uri="{C572A759-6A51-4108-AA02-DFA0A04FC94B}">
-              <ma14:wrappingTextBoxFlag xmlns:ma14="http://schemas.microsoft.com/office/mac/drawingml/2011/main" xmlns:a14="http://schemas.microsoft.com/office/drawing/2010/main" xmlns:m="http://schemas.openxmlformats.org/officeDocument/2006/math" xmlns="" val="1"/>
+              <ma14:wrappingTextBoxFlag xmlns="" xmlns:m="http://schemas.openxmlformats.org/officeDocument/2006/math" xmlns:a14="http://schemas.microsoft.com/office/drawing/2010/main" xmlns:ma14="http://schemas.microsoft.com/office/mac/drawingml/2011/main" val="1"/>
             </a:ext>
           </a:extLst>
         </p:spPr>
@@ -7110,7 +9024,7 @@
           </a:ln>
           <a:extLst>
             <a:ext uri="{C572A759-6A51-4108-AA02-DFA0A04FC94B}">
-              <ma14:wrappingTextBoxFlag xmlns:ma14="http://schemas.microsoft.com/office/mac/drawingml/2011/main" xmlns:a14="http://schemas.microsoft.com/office/drawing/2010/main" xmlns:m="http://schemas.openxmlformats.org/officeDocument/2006/math" xmlns="" val="1"/>
+              <ma14:wrappingTextBoxFlag xmlns="" xmlns:m="http://schemas.openxmlformats.org/officeDocument/2006/math" xmlns:a14="http://schemas.microsoft.com/office/drawing/2010/main" xmlns:ma14="http://schemas.microsoft.com/office/mac/drawingml/2011/main" val="1"/>
             </a:ext>
           </a:extLst>
         </p:spPr>
@@ -7171,7 +9085,7 @@
           </a:ln>
           <a:extLst>
             <a:ext uri="{C572A759-6A51-4108-AA02-DFA0A04FC94B}">
-              <ma14:wrappingTextBoxFlag xmlns:ma14="http://schemas.microsoft.com/office/mac/drawingml/2011/main" xmlns:a14="http://schemas.microsoft.com/office/drawing/2010/main" xmlns:m="http://schemas.openxmlformats.org/officeDocument/2006/math" xmlns="" val="1"/>
+              <ma14:wrappingTextBoxFlag xmlns="" xmlns:m="http://schemas.openxmlformats.org/officeDocument/2006/math" xmlns:a14="http://schemas.microsoft.com/office/drawing/2010/main" xmlns:ma14="http://schemas.microsoft.com/office/mac/drawingml/2011/main" val="1"/>
             </a:ext>
           </a:extLst>
         </p:spPr>
@@ -7232,7 +9146,7 @@
           </a:ln>
           <a:extLst>
             <a:ext uri="{C572A759-6A51-4108-AA02-DFA0A04FC94B}">
-              <ma14:wrappingTextBoxFlag xmlns:ma14="http://schemas.microsoft.com/office/mac/drawingml/2011/main" xmlns:a14="http://schemas.microsoft.com/office/drawing/2010/main" xmlns:m="http://schemas.openxmlformats.org/officeDocument/2006/math" xmlns="" val="1"/>
+              <ma14:wrappingTextBoxFlag xmlns="" xmlns:m="http://schemas.openxmlformats.org/officeDocument/2006/math" xmlns:a14="http://schemas.microsoft.com/office/drawing/2010/main" xmlns:ma14="http://schemas.microsoft.com/office/mac/drawingml/2011/main" val="1"/>
             </a:ext>
           </a:extLst>
         </p:spPr>
@@ -7353,7 +9267,7 @@
           </a:ln>
           <a:extLst>
             <a:ext uri="{C572A759-6A51-4108-AA02-DFA0A04FC94B}">
-              <ma14:wrappingTextBoxFlag xmlns:ma14="http://schemas.microsoft.com/office/mac/drawingml/2011/main" xmlns:a14="http://schemas.microsoft.com/office/drawing/2010/main" xmlns:m="http://schemas.openxmlformats.org/officeDocument/2006/math" xmlns="" val="1"/>
+              <ma14:wrappingTextBoxFlag xmlns="" xmlns:m="http://schemas.openxmlformats.org/officeDocument/2006/math" xmlns:a14="http://schemas.microsoft.com/office/drawing/2010/main" xmlns:ma14="http://schemas.microsoft.com/office/mac/drawingml/2011/main" val="1"/>
             </a:ext>
           </a:extLst>
         </p:spPr>
@@ -7431,7 +9345,7 @@
           </a:ln>
           <a:extLst>
             <a:ext uri="{C572A759-6A51-4108-AA02-DFA0A04FC94B}">
-              <ma14:wrappingTextBoxFlag xmlns:ma14="http://schemas.microsoft.com/office/mac/drawingml/2011/main" xmlns:a14="http://schemas.microsoft.com/office/drawing/2010/main" xmlns:m="http://schemas.openxmlformats.org/officeDocument/2006/math" xmlns="" val="1"/>
+              <ma14:wrappingTextBoxFlag xmlns="" xmlns:m="http://schemas.openxmlformats.org/officeDocument/2006/math" xmlns:a14="http://schemas.microsoft.com/office/drawing/2010/main" xmlns:ma14="http://schemas.microsoft.com/office/mac/drawingml/2011/main" val="1"/>
             </a:ext>
           </a:extLst>
         </p:spPr>
@@ -7483,7 +9397,7 @@
           </a:ln>
           <a:extLst>
             <a:ext uri="{C572A759-6A51-4108-AA02-DFA0A04FC94B}">
-              <ma14:wrappingTextBoxFlag xmlns:ma14="http://schemas.microsoft.com/office/mac/drawingml/2011/main" xmlns:a14="http://schemas.microsoft.com/office/drawing/2010/main" xmlns:m="http://schemas.openxmlformats.org/officeDocument/2006/math" xmlns="" val="1"/>
+              <ma14:wrappingTextBoxFlag xmlns="" xmlns:m="http://schemas.openxmlformats.org/officeDocument/2006/math" xmlns:a14="http://schemas.microsoft.com/office/drawing/2010/main" xmlns:ma14="http://schemas.microsoft.com/office/mac/drawingml/2011/main" val="1"/>
             </a:ext>
           </a:extLst>
         </p:spPr>
@@ -7613,7 +9527,7 @@
           </a:ln>
           <a:extLst>
             <a:ext uri="{C572A759-6A51-4108-AA02-DFA0A04FC94B}">
-              <ma14:wrappingTextBoxFlag xmlns:ma14="http://schemas.microsoft.com/office/mac/drawingml/2011/main" xmlns:a14="http://schemas.microsoft.com/office/drawing/2010/main" xmlns:m="http://schemas.openxmlformats.org/officeDocument/2006/math" xmlns="" val="1"/>
+              <ma14:wrappingTextBoxFlag xmlns="" xmlns:m="http://schemas.openxmlformats.org/officeDocument/2006/math" xmlns:a14="http://schemas.microsoft.com/office/drawing/2010/main" xmlns:ma14="http://schemas.microsoft.com/office/mac/drawingml/2011/main" val="1"/>
             </a:ext>
           </a:extLst>
         </p:spPr>
@@ -7673,7 +9587,7 @@
             <a:effectLst/>
             <a:extLst>
               <a:ext uri="{C572A759-6A51-4108-AA02-DFA0A04FC94B}">
-                <ma14:wrappingTextBoxFlag xmlns:ma14="http://schemas.microsoft.com/office/mac/drawingml/2011/main" xmlns:a14="http://schemas.microsoft.com/office/drawing/2010/main" xmlns:m="http://schemas.openxmlformats.org/officeDocument/2006/math" xmlns="" val="1"/>
+                <ma14:wrappingTextBoxFlag xmlns="" xmlns:m="http://schemas.openxmlformats.org/officeDocument/2006/math" xmlns:a14="http://schemas.microsoft.com/office/drawing/2010/main" xmlns:ma14="http://schemas.microsoft.com/office/mac/drawingml/2011/main" val="1"/>
               </a:ext>
             </a:extLst>
           </p:spPr>
@@ -7723,7 +9637,7 @@
             <a:effectLst/>
             <a:extLst>
               <a:ext uri="{C572A759-6A51-4108-AA02-DFA0A04FC94B}">
-                <ma14:wrappingTextBoxFlag xmlns:ma14="http://schemas.microsoft.com/office/mac/drawingml/2011/main" xmlns:a14="http://schemas.microsoft.com/office/drawing/2010/main" xmlns:m="http://schemas.openxmlformats.org/officeDocument/2006/math" xmlns="" val="1"/>
+                <ma14:wrappingTextBoxFlag xmlns="" xmlns:m="http://schemas.openxmlformats.org/officeDocument/2006/math" xmlns:a14="http://schemas.microsoft.com/office/drawing/2010/main" xmlns:ma14="http://schemas.microsoft.com/office/mac/drawingml/2011/main" val="1"/>
               </a:ext>
             </a:extLst>
           </p:spPr>
@@ -7782,7 +9696,7 @@
           </a:ln>
           <a:extLst>
             <a:ext uri="{C572A759-6A51-4108-AA02-DFA0A04FC94B}">
-              <ma14:wrappingTextBoxFlag xmlns:ma14="http://schemas.microsoft.com/office/mac/drawingml/2011/main" xmlns:a14="http://schemas.microsoft.com/office/drawing/2010/main" xmlns:m="http://schemas.openxmlformats.org/officeDocument/2006/math" xmlns="" val="1"/>
+              <ma14:wrappingTextBoxFlag xmlns="" xmlns:m="http://schemas.openxmlformats.org/officeDocument/2006/math" xmlns:a14="http://schemas.microsoft.com/office/drawing/2010/main" xmlns:ma14="http://schemas.microsoft.com/office/mac/drawingml/2011/main" val="1"/>
             </a:ext>
           </a:extLst>
         </p:spPr>
@@ -7825,7 +9739,7 @@
           </a:ln>
           <a:extLst>
             <a:ext uri="{C572A759-6A51-4108-AA02-DFA0A04FC94B}">
-              <ma14:wrappingTextBoxFlag xmlns:ma14="http://schemas.microsoft.com/office/mac/drawingml/2011/main" xmlns:a14="http://schemas.microsoft.com/office/drawing/2010/main" xmlns:m="http://schemas.openxmlformats.org/officeDocument/2006/math" xmlns="" val="1"/>
+              <ma14:wrappingTextBoxFlag xmlns="" xmlns:m="http://schemas.openxmlformats.org/officeDocument/2006/math" xmlns:a14="http://schemas.microsoft.com/office/drawing/2010/main" xmlns:ma14="http://schemas.microsoft.com/office/mac/drawingml/2011/main" val="1"/>
             </a:ext>
           </a:extLst>
         </p:spPr>
@@ -7868,7 +9782,7 @@
           </a:ln>
           <a:extLst>
             <a:ext uri="{C572A759-6A51-4108-AA02-DFA0A04FC94B}">
-              <ma14:wrappingTextBoxFlag xmlns:ma14="http://schemas.microsoft.com/office/mac/drawingml/2011/main" xmlns:a14="http://schemas.microsoft.com/office/drawing/2010/main" xmlns:m="http://schemas.openxmlformats.org/officeDocument/2006/math" xmlns="" val="1"/>
+              <ma14:wrappingTextBoxFlag xmlns="" xmlns:m="http://schemas.openxmlformats.org/officeDocument/2006/math" xmlns:a14="http://schemas.microsoft.com/office/drawing/2010/main" xmlns:ma14="http://schemas.microsoft.com/office/mac/drawingml/2011/main" val="1"/>
             </a:ext>
           </a:extLst>
         </p:spPr>
@@ -7966,7 +9880,7 @@
           </a:ln>
           <a:extLst>
             <a:ext uri="{C572A759-6A51-4108-AA02-DFA0A04FC94B}">
-              <ma14:wrappingTextBoxFlag xmlns:ma14="http://schemas.microsoft.com/office/mac/drawingml/2011/main" xmlns:a14="http://schemas.microsoft.com/office/drawing/2010/main" xmlns:m="http://schemas.openxmlformats.org/officeDocument/2006/math" xmlns="" val="1"/>
+              <ma14:wrappingTextBoxFlag xmlns="" xmlns:m="http://schemas.openxmlformats.org/officeDocument/2006/math" xmlns:a14="http://schemas.microsoft.com/office/drawing/2010/main" xmlns:ma14="http://schemas.microsoft.com/office/mac/drawingml/2011/main" val="1"/>
             </a:ext>
           </a:extLst>
         </p:spPr>
@@ -8027,7 +9941,7 @@
           </a:ln>
           <a:extLst>
             <a:ext uri="{C572A759-6A51-4108-AA02-DFA0A04FC94B}">
-              <ma14:wrappingTextBoxFlag xmlns:ma14="http://schemas.microsoft.com/office/mac/drawingml/2011/main" xmlns:a14="http://schemas.microsoft.com/office/drawing/2010/main" xmlns:m="http://schemas.openxmlformats.org/officeDocument/2006/math" xmlns="" val="1"/>
+              <ma14:wrappingTextBoxFlag xmlns="" xmlns:m="http://schemas.openxmlformats.org/officeDocument/2006/math" xmlns:a14="http://schemas.microsoft.com/office/drawing/2010/main" xmlns:ma14="http://schemas.microsoft.com/office/mac/drawingml/2011/main" val="1"/>
             </a:ext>
           </a:extLst>
         </p:spPr>
@@ -8238,7 +10152,7 @@
           </a:ln>
           <a:extLst>
             <a:ext uri="{C572A759-6A51-4108-AA02-DFA0A04FC94B}">
-              <ma14:wrappingTextBoxFlag xmlns:ma14="http://schemas.microsoft.com/office/mac/drawingml/2011/main" xmlns:a14="http://schemas.microsoft.com/office/drawing/2010/main" xmlns:m="http://schemas.openxmlformats.org/officeDocument/2006/math" xmlns="" val="1"/>
+              <ma14:wrappingTextBoxFlag xmlns="" xmlns:m="http://schemas.openxmlformats.org/officeDocument/2006/math" xmlns:a14="http://schemas.microsoft.com/office/drawing/2010/main" xmlns:ma14="http://schemas.microsoft.com/office/mac/drawingml/2011/main" val="1"/>
             </a:ext>
           </a:extLst>
         </p:spPr>
@@ -8350,7 +10264,7 @@
           </a:ln>
           <a:extLst>
             <a:ext uri="{C572A759-6A51-4108-AA02-DFA0A04FC94B}">
-              <ma14:wrappingTextBoxFlag xmlns:ma14="http://schemas.microsoft.com/office/mac/drawingml/2011/main" xmlns:a14="http://schemas.microsoft.com/office/drawing/2010/main" xmlns:m="http://schemas.openxmlformats.org/officeDocument/2006/math" xmlns="" val="1"/>
+              <ma14:wrappingTextBoxFlag xmlns="" xmlns:m="http://schemas.openxmlformats.org/officeDocument/2006/math" xmlns:a14="http://schemas.microsoft.com/office/drawing/2010/main" xmlns:ma14="http://schemas.microsoft.com/office/mac/drawingml/2011/main" val="1"/>
             </a:ext>
           </a:extLst>
         </p:spPr>
@@ -8410,7 +10324,7 @@
             <a:effectLst/>
             <a:extLst>
               <a:ext uri="{C572A759-6A51-4108-AA02-DFA0A04FC94B}">
-                <ma14:wrappingTextBoxFlag xmlns:ma14="http://schemas.microsoft.com/office/mac/drawingml/2011/main" xmlns:a14="http://schemas.microsoft.com/office/drawing/2010/main" xmlns:m="http://schemas.openxmlformats.org/officeDocument/2006/math" xmlns="" val="1"/>
+                <ma14:wrappingTextBoxFlag xmlns="" xmlns:m="http://schemas.openxmlformats.org/officeDocument/2006/math" xmlns:a14="http://schemas.microsoft.com/office/drawing/2010/main" xmlns:ma14="http://schemas.microsoft.com/office/mac/drawingml/2011/main" val="1"/>
               </a:ext>
             </a:extLst>
           </p:spPr>
@@ -8460,7 +10374,7 @@
             <a:effectLst/>
             <a:extLst>
               <a:ext uri="{C572A759-6A51-4108-AA02-DFA0A04FC94B}">
-                <ma14:wrappingTextBoxFlag xmlns:ma14="http://schemas.microsoft.com/office/mac/drawingml/2011/main" xmlns:a14="http://schemas.microsoft.com/office/drawing/2010/main" xmlns:m="http://schemas.openxmlformats.org/officeDocument/2006/math" xmlns="" val="1"/>
+                <ma14:wrappingTextBoxFlag xmlns="" xmlns:m="http://schemas.openxmlformats.org/officeDocument/2006/math" xmlns:a14="http://schemas.microsoft.com/office/drawing/2010/main" xmlns:ma14="http://schemas.microsoft.com/office/mac/drawingml/2011/main" val="1"/>
               </a:ext>
             </a:extLst>
           </p:spPr>
@@ -8519,7 +10433,7 @@
           </a:ln>
           <a:extLst>
             <a:ext uri="{C572A759-6A51-4108-AA02-DFA0A04FC94B}">
-              <ma14:wrappingTextBoxFlag xmlns:ma14="http://schemas.microsoft.com/office/mac/drawingml/2011/main" xmlns:a14="http://schemas.microsoft.com/office/drawing/2010/main" xmlns:m="http://schemas.openxmlformats.org/officeDocument/2006/math" xmlns="" val="1"/>
+              <ma14:wrappingTextBoxFlag xmlns="" xmlns:m="http://schemas.openxmlformats.org/officeDocument/2006/math" xmlns:a14="http://schemas.microsoft.com/office/drawing/2010/main" xmlns:ma14="http://schemas.microsoft.com/office/mac/drawingml/2011/main" val="1"/>
             </a:ext>
           </a:extLst>
         </p:spPr>
@@ -8557,7 +10471,7 @@
           <p:cNvPr id="3" name="TextBox 2">
             <a:extLst>
               <a:ext uri="{FF2B5EF4-FFF2-40B4-BE49-F238E27FC236}">
-                <a16:creationId xmlns:a16="http://schemas.microsoft.com/office/drawing/2014/main" id="{E8AFA31B-AC21-440A-A2DC-1ADB0B04E665}"/>
+                <a16:creationId xmlns:a16="http://schemas.microsoft.com/office/drawing/2014/main" xmlns="" id="{E8AFA31B-AC21-440A-A2DC-1ADB0B04E665}"/>
               </a:ext>
             </a:extLst>
           </p:cNvPr>
@@ -8751,6 +10665,92 @@
               <a:t>)</a:t>
             </a:r>
             <a:endParaRPr kumimoji="0" lang="ko-KR" altLang="en-US" sz="1600" b="0" i="0" u="none" strike="noStrike" cap="none" spc="0" normalizeH="0" baseline="0">
+              <a:ln>
+                <a:noFill/>
+              </a:ln>
+              <a:solidFill>
+                <a:srgbClr val="3A3838"/>
+              </a:solidFill>
+              <a:effectLst/>
+              <a:uFillTx/>
+              <a:latin typeface="Arial"/>
+              <a:ea typeface="Arial"/>
+              <a:cs typeface="Arial"/>
+              <a:sym typeface="Arial"/>
+            </a:endParaRPr>
+          </a:p>
+        </p:txBody>
+      </p:sp>
+      <p:sp>
+        <p:nvSpPr>
+          <p:cNvPr id="2" name="직사각형 1"/>
+          <p:cNvSpPr/>
+          <p:nvPr/>
+        </p:nvSpPr>
+        <p:spPr>
+          <a:xfrm>
+            <a:off x="1344646" y="1186269"/>
+            <a:ext cx="3257115" cy="5091520"/>
+          </a:xfrm>
+          <a:prstGeom prst="rect">
+            <a:avLst/>
+          </a:prstGeom>
+          <a:blipFill dpi="0" rotWithShape="1">
+            <a:blip r:embed="rId2">
+              <a:extLst>
+                <a:ext uri="{28A0092B-C50C-407E-A947-70E740481C1C}">
+                  <a14:useLocalDpi xmlns:a14="http://schemas.microsoft.com/office/drawing/2010/main" val="0"/>
+                </a:ext>
+              </a:extLst>
+            </a:blip>
+            <a:srcRect/>
+            <a:stretch>
+              <a:fillRect/>
+            </a:stretch>
+          </a:blipFill>
+          <a:ln w="12700" cap="flat">
+            <a:noFill/>
+            <a:prstDash val="solid"/>
+            <a:miter lim="800000"/>
+          </a:ln>
+          <a:effectLst/>
+          <a:sp3d/>
+        </p:spPr>
+        <p:style>
+          <a:lnRef idx="0">
+            <a:scrgbClr r="0" g="0" b="0"/>
+          </a:lnRef>
+          <a:fillRef idx="0">
+            <a:scrgbClr r="0" g="0" b="0"/>
+          </a:fillRef>
+          <a:effectRef idx="0">
+            <a:scrgbClr r="0" g="0" b="0"/>
+          </a:effectRef>
+          <a:fontRef idx="none"/>
+        </p:style>
+        <p:txBody>
+          <a:bodyPr rot="0" spcFirstLastPara="1" vertOverflow="overflow" horzOverflow="overflow" vert="horz" wrap="square" lIns="45719" tIns="45719" rIns="45719" bIns="45719" numCol="1" spcCol="38100" rtlCol="0" anchor="ctr">
+            <a:spAutoFit/>
+          </a:bodyPr>
+          <a:lstStyle/>
+          <a:p>
+            <a:pPr marL="0" marR="0" indent="0" algn="l" defTabSz="914400" rtl="0" fontAlgn="auto" latinLnBrk="0" hangingPunct="0">
+              <a:lnSpc>
+                <a:spcPct val="100000"/>
+              </a:lnSpc>
+              <a:spcBef>
+                <a:spcPts val="0"/>
+              </a:spcBef>
+              <a:spcAft>
+                <a:spcPts val="0"/>
+              </a:spcAft>
+              <a:buClrTx/>
+              <a:buSzTx/>
+              <a:buFontTx/>
+              <a:buNone/>
+              <a:tabLst/>
+            </a:pPr>
+            <a:endParaRPr kumimoji="0" lang="ko-KR" altLang="en-US" sz="1800" b="0" i="0" u="none" strike="noStrike" cap="none" spc="0" normalizeH="0" baseline="0">
               <a:ln>
                 <a:noFill/>
               </a:ln>
@@ -8812,7 +10812,7 @@
           </a:ln>
           <a:extLst>
             <a:ext uri="{C572A759-6A51-4108-AA02-DFA0A04FC94B}">
-              <ma14:wrappingTextBoxFlag xmlns:ma14="http://schemas.microsoft.com/office/mac/drawingml/2011/main" xmlns:a14="http://schemas.microsoft.com/office/drawing/2010/main" xmlns:m="http://schemas.openxmlformats.org/officeDocument/2006/math" xmlns="" val="1"/>
+              <ma14:wrappingTextBoxFlag xmlns="" xmlns:m="http://schemas.openxmlformats.org/officeDocument/2006/math" xmlns:a14="http://schemas.microsoft.com/office/drawing/2010/main" xmlns:ma14="http://schemas.microsoft.com/office/mac/drawingml/2011/main" val="1"/>
             </a:ext>
           </a:extLst>
         </p:spPr>
@@ -8855,7 +10855,7 @@
           </a:ln>
           <a:extLst>
             <a:ext uri="{C572A759-6A51-4108-AA02-DFA0A04FC94B}">
-              <ma14:wrappingTextBoxFlag xmlns:ma14="http://schemas.microsoft.com/office/mac/drawingml/2011/main" xmlns:a14="http://schemas.microsoft.com/office/drawing/2010/main" xmlns:m="http://schemas.openxmlformats.org/officeDocument/2006/math" xmlns="" val="1"/>
+              <ma14:wrappingTextBoxFlag xmlns="" xmlns:m="http://schemas.openxmlformats.org/officeDocument/2006/math" xmlns:a14="http://schemas.microsoft.com/office/drawing/2010/main" xmlns:ma14="http://schemas.microsoft.com/office/mac/drawingml/2011/main" val="1"/>
             </a:ext>
           </a:extLst>
         </p:spPr>
@@ -8911,7 +10911,7 @@
           </a:ln>
           <a:extLst>
             <a:ext uri="{C572A759-6A51-4108-AA02-DFA0A04FC94B}">
-              <ma14:wrappingTextBoxFlag xmlns:ma14="http://schemas.microsoft.com/office/mac/drawingml/2011/main" xmlns:a14="http://schemas.microsoft.com/office/drawing/2010/main" xmlns:m="http://schemas.openxmlformats.org/officeDocument/2006/math" xmlns="" val="1"/>
+              <ma14:wrappingTextBoxFlag xmlns="" xmlns:m="http://schemas.openxmlformats.org/officeDocument/2006/math" xmlns:a14="http://schemas.microsoft.com/office/drawing/2010/main" xmlns:ma14="http://schemas.microsoft.com/office/mac/drawingml/2011/main" val="1"/>
             </a:ext>
           </a:extLst>
         </p:spPr>
@@ -8987,7 +10987,7 @@
           </a:ln>
           <a:extLst>
             <a:ext uri="{C572A759-6A51-4108-AA02-DFA0A04FC94B}">
-              <ma14:wrappingTextBoxFlag xmlns:ma14="http://schemas.microsoft.com/office/mac/drawingml/2011/main" xmlns:a14="http://schemas.microsoft.com/office/drawing/2010/main" xmlns:m="http://schemas.openxmlformats.org/officeDocument/2006/math" xmlns="" val="1"/>
+              <ma14:wrappingTextBoxFlag xmlns="" xmlns:m="http://schemas.openxmlformats.org/officeDocument/2006/math" xmlns:a14="http://schemas.microsoft.com/office/drawing/2010/main" xmlns:ma14="http://schemas.microsoft.com/office/mac/drawingml/2011/main" val="1"/>
             </a:ext>
           </a:extLst>
         </p:spPr>
@@ -9191,7 +11191,7 @@
           </a:ln>
           <a:extLst>
             <a:ext uri="{C572A759-6A51-4108-AA02-DFA0A04FC94B}">
-              <ma14:wrappingTextBoxFlag xmlns:ma14="http://schemas.microsoft.com/office/mac/drawingml/2011/main" xmlns:a14="http://schemas.microsoft.com/office/drawing/2010/main" xmlns:m="http://schemas.openxmlformats.org/officeDocument/2006/math" xmlns="" val="1"/>
+              <ma14:wrappingTextBoxFlag xmlns="" xmlns:m="http://schemas.openxmlformats.org/officeDocument/2006/math" xmlns:a14="http://schemas.microsoft.com/office/drawing/2010/main" xmlns:ma14="http://schemas.microsoft.com/office/mac/drawingml/2011/main" val="1"/>
             </a:ext>
           </a:extLst>
         </p:spPr>
@@ -9251,7 +11251,7 @@
             <a:effectLst/>
             <a:extLst>
               <a:ext uri="{C572A759-6A51-4108-AA02-DFA0A04FC94B}">
-                <ma14:wrappingTextBoxFlag xmlns:ma14="http://schemas.microsoft.com/office/mac/drawingml/2011/main" xmlns:a14="http://schemas.microsoft.com/office/drawing/2010/main" xmlns:m="http://schemas.openxmlformats.org/officeDocument/2006/math" xmlns="" val="1"/>
+                <ma14:wrappingTextBoxFlag xmlns="" xmlns:m="http://schemas.openxmlformats.org/officeDocument/2006/math" xmlns:a14="http://schemas.microsoft.com/office/drawing/2010/main" xmlns:ma14="http://schemas.microsoft.com/office/mac/drawingml/2011/main" val="1"/>
               </a:ext>
             </a:extLst>
           </p:spPr>
@@ -9312,7 +11312,7 @@
             <a:effectLst/>
             <a:extLst>
               <a:ext uri="{C572A759-6A51-4108-AA02-DFA0A04FC94B}">
-                <ma14:wrappingTextBoxFlag xmlns:ma14="http://schemas.microsoft.com/office/mac/drawingml/2011/main" xmlns:a14="http://schemas.microsoft.com/office/drawing/2010/main" xmlns:m="http://schemas.openxmlformats.org/officeDocument/2006/math" xmlns="" val="1"/>
+                <ma14:wrappingTextBoxFlag xmlns="" xmlns:m="http://schemas.openxmlformats.org/officeDocument/2006/math" xmlns:a14="http://schemas.microsoft.com/office/drawing/2010/main" xmlns:ma14="http://schemas.microsoft.com/office/mac/drawingml/2011/main" val="1"/>
               </a:ext>
             </a:extLst>
           </p:spPr>
@@ -9535,7 +11535,7 @@
             <a:effectLst/>
             <a:extLst>
               <a:ext uri="{C572A759-6A51-4108-AA02-DFA0A04FC94B}">
-                <ma14:wrappingTextBoxFlag xmlns:ma14="http://schemas.microsoft.com/office/mac/drawingml/2011/main" xmlns:a14="http://schemas.microsoft.com/office/drawing/2010/main" xmlns:m="http://schemas.openxmlformats.org/officeDocument/2006/math" xmlns="" val="1"/>
+                <ma14:wrappingTextBoxFlag xmlns="" xmlns:m="http://schemas.openxmlformats.org/officeDocument/2006/math" xmlns:a14="http://schemas.microsoft.com/office/drawing/2010/main" xmlns:ma14="http://schemas.microsoft.com/office/mac/drawingml/2011/main" val="1"/>
               </a:ext>
             </a:extLst>
           </p:spPr>
@@ -9601,7 +11601,7 @@
             <a:effectLst/>
             <a:extLst>
               <a:ext uri="{C572A759-6A51-4108-AA02-DFA0A04FC94B}">
-                <ma14:wrappingTextBoxFlag xmlns:ma14="http://schemas.microsoft.com/office/mac/drawingml/2011/main" xmlns:a14="http://schemas.microsoft.com/office/drawing/2010/main" xmlns:m="http://schemas.openxmlformats.org/officeDocument/2006/math" xmlns="" val="1"/>
+                <ma14:wrappingTextBoxFlag xmlns="" xmlns:m="http://schemas.openxmlformats.org/officeDocument/2006/math" xmlns:a14="http://schemas.microsoft.com/office/drawing/2010/main" xmlns:ma14="http://schemas.microsoft.com/office/mac/drawingml/2011/main" val="1"/>
               </a:ext>
             </a:extLst>
           </p:spPr>
@@ -9676,7 +11676,7 @@
             <a:effectLst/>
             <a:extLst>
               <a:ext uri="{C572A759-6A51-4108-AA02-DFA0A04FC94B}">
-                <ma14:wrappingTextBoxFlag xmlns:ma14="http://schemas.microsoft.com/office/mac/drawingml/2011/main" xmlns:a14="http://schemas.microsoft.com/office/drawing/2010/main" xmlns:m="http://schemas.openxmlformats.org/officeDocument/2006/math" xmlns="" val="1"/>
+                <ma14:wrappingTextBoxFlag xmlns="" xmlns:m="http://schemas.openxmlformats.org/officeDocument/2006/math" xmlns:a14="http://schemas.microsoft.com/office/drawing/2010/main" xmlns:ma14="http://schemas.microsoft.com/office/mac/drawingml/2011/main" val="1"/>
               </a:ext>
             </a:extLst>
           </p:spPr>
@@ -9731,7 +11731,7 @@
             <a:effectLst/>
             <a:extLst>
               <a:ext uri="{C572A759-6A51-4108-AA02-DFA0A04FC94B}">
-                <ma14:wrappingTextBoxFlag xmlns:ma14="http://schemas.microsoft.com/office/mac/drawingml/2011/main" xmlns:a14="http://schemas.microsoft.com/office/drawing/2010/main" xmlns:m="http://schemas.openxmlformats.org/officeDocument/2006/math" xmlns="" val="1"/>
+                <ma14:wrappingTextBoxFlag xmlns="" xmlns:m="http://schemas.openxmlformats.org/officeDocument/2006/math" xmlns:a14="http://schemas.microsoft.com/office/drawing/2010/main" xmlns:ma14="http://schemas.microsoft.com/office/mac/drawingml/2011/main" val="1"/>
               </a:ext>
             </a:extLst>
           </p:spPr>
@@ -9889,7 +11889,7 @@
           </a:ln>
           <a:extLst>
             <a:ext uri="{C572A759-6A51-4108-AA02-DFA0A04FC94B}">
-              <ma14:wrappingTextBoxFlag xmlns:ma14="http://schemas.microsoft.com/office/mac/drawingml/2011/main" xmlns:a14="http://schemas.microsoft.com/office/drawing/2010/main" xmlns:m="http://schemas.openxmlformats.org/officeDocument/2006/math" xmlns="" val="1"/>
+              <ma14:wrappingTextBoxFlag xmlns="" xmlns:m="http://schemas.openxmlformats.org/officeDocument/2006/math" xmlns:a14="http://schemas.microsoft.com/office/drawing/2010/main" xmlns:ma14="http://schemas.microsoft.com/office/mac/drawingml/2011/main" val="1"/>
             </a:ext>
           </a:extLst>
         </p:spPr>
@@ -9922,7 +11922,7 @@
           <p:cNvPr id="25" name="그룹 12">
             <a:extLst>
               <a:ext uri="{FF2B5EF4-FFF2-40B4-BE49-F238E27FC236}">
-                <a16:creationId xmlns:a16="http://schemas.microsoft.com/office/drawing/2014/main" id="{76F7A0C2-3375-437F-A32B-C124435EF741}"/>
+                <a16:creationId xmlns:a16="http://schemas.microsoft.com/office/drawing/2014/main" xmlns="" id="{76F7A0C2-3375-437F-A32B-C124435EF741}"/>
               </a:ext>
             </a:extLst>
           </p:cNvPr>
@@ -9942,7 +11942,7 @@
             <p:cNvPr id="26" name="TextBox 13">
               <a:extLst>
                 <a:ext uri="{FF2B5EF4-FFF2-40B4-BE49-F238E27FC236}">
-                  <a16:creationId xmlns:a16="http://schemas.microsoft.com/office/drawing/2014/main" id="{B7D25B5F-6C85-448E-82B5-C7FA6FB11311}"/>
+                  <a16:creationId xmlns:a16="http://schemas.microsoft.com/office/drawing/2014/main" xmlns="" id="{B7D25B5F-6C85-448E-82B5-C7FA6FB11311}"/>
                 </a:ext>
               </a:extLst>
             </p:cNvPr>
@@ -9965,7 +11965,7 @@
             <a:effectLst/>
             <a:extLst>
               <a:ext uri="{C572A759-6A51-4108-AA02-DFA0A04FC94B}">
-                <ma14:wrappingTextBoxFlag xmlns:ma14="http://schemas.microsoft.com/office/mac/drawingml/2011/main" xmlns:a14="http://schemas.microsoft.com/office/drawing/2010/main" xmlns:m="http://schemas.openxmlformats.org/officeDocument/2006/math" xmlns="" val="1"/>
+                <ma14:wrappingTextBoxFlag xmlns="" xmlns:m="http://schemas.openxmlformats.org/officeDocument/2006/math" xmlns:a14="http://schemas.microsoft.com/office/drawing/2010/main" xmlns:ma14="http://schemas.microsoft.com/office/mac/drawingml/2011/main" val="1"/>
               </a:ext>
             </a:extLst>
           </p:spPr>
@@ -10018,7 +12018,7 @@
             <p:cNvPr id="27" name="TextBox 14">
               <a:extLst>
                 <a:ext uri="{FF2B5EF4-FFF2-40B4-BE49-F238E27FC236}">
-                  <a16:creationId xmlns:a16="http://schemas.microsoft.com/office/drawing/2014/main" id="{C8A23E48-8A13-483D-AF19-963409A3F82C}"/>
+                  <a16:creationId xmlns:a16="http://schemas.microsoft.com/office/drawing/2014/main" xmlns="" id="{C8A23E48-8A13-483D-AF19-963409A3F82C}"/>
                 </a:ext>
               </a:extLst>
             </p:cNvPr>
@@ -10041,7 +12041,7 @@
             <a:effectLst/>
             <a:extLst>
               <a:ext uri="{C572A759-6A51-4108-AA02-DFA0A04FC94B}">
-                <ma14:wrappingTextBoxFlag xmlns:ma14="http://schemas.microsoft.com/office/mac/drawingml/2011/main" xmlns:a14="http://schemas.microsoft.com/office/drawing/2010/main" xmlns:m="http://schemas.openxmlformats.org/officeDocument/2006/math" xmlns="" val="1"/>
+                <ma14:wrappingTextBoxFlag xmlns="" xmlns:m="http://schemas.openxmlformats.org/officeDocument/2006/math" xmlns:a14="http://schemas.microsoft.com/office/drawing/2010/main" xmlns:ma14="http://schemas.microsoft.com/office/mac/drawingml/2011/main" val="1"/>
               </a:ext>
             </a:extLst>
           </p:spPr>
@@ -10179,7 +12179,7 @@
           </a:ln>
           <a:extLst>
             <a:ext uri="{C572A759-6A51-4108-AA02-DFA0A04FC94B}">
-              <ma14:wrappingTextBoxFlag xmlns:ma14="http://schemas.microsoft.com/office/mac/drawingml/2011/main" xmlns:a14="http://schemas.microsoft.com/office/drawing/2010/main" xmlns:m="http://schemas.openxmlformats.org/officeDocument/2006/math" xmlns="" val="1"/>
+              <ma14:wrappingTextBoxFlag xmlns="" xmlns:m="http://schemas.openxmlformats.org/officeDocument/2006/math" xmlns:a14="http://schemas.microsoft.com/office/drawing/2010/main" xmlns:ma14="http://schemas.microsoft.com/office/mac/drawingml/2011/main" val="1"/>
             </a:ext>
           </a:extLst>
         </p:spPr>
@@ -10264,7 +12264,7 @@
           </a:ln>
           <a:extLst>
             <a:ext uri="{C572A759-6A51-4108-AA02-DFA0A04FC94B}">
-              <ma14:wrappingTextBoxFlag xmlns:ma14="http://schemas.microsoft.com/office/mac/drawingml/2011/main" xmlns:a14="http://schemas.microsoft.com/office/drawing/2010/main" xmlns:m="http://schemas.openxmlformats.org/officeDocument/2006/math" xmlns="" val="1"/>
+              <ma14:wrappingTextBoxFlag xmlns="" xmlns:m="http://schemas.openxmlformats.org/officeDocument/2006/math" xmlns:a14="http://schemas.microsoft.com/office/drawing/2010/main" xmlns:ma14="http://schemas.microsoft.com/office/mac/drawingml/2011/main" val="1"/>
             </a:ext>
           </a:extLst>
         </p:spPr>
@@ -10535,7 +12535,7 @@
           </a:ln>
           <a:extLst>
             <a:ext uri="{C572A759-6A51-4108-AA02-DFA0A04FC94B}">
-              <ma14:wrappingTextBoxFlag xmlns:ma14="http://schemas.microsoft.com/office/mac/drawingml/2011/main" xmlns:a14="http://schemas.microsoft.com/office/drawing/2010/main" xmlns:m="http://schemas.openxmlformats.org/officeDocument/2006/math" xmlns="" val="1"/>
+              <ma14:wrappingTextBoxFlag xmlns="" xmlns:m="http://schemas.openxmlformats.org/officeDocument/2006/math" xmlns:a14="http://schemas.microsoft.com/office/drawing/2010/main" xmlns:ma14="http://schemas.microsoft.com/office/mac/drawingml/2011/main" val="1"/>
             </a:ext>
           </a:extLst>
         </p:spPr>
@@ -10566,7 +12566,7 @@
           <p:cNvPr id="22" name="그룹 8">
             <a:extLst>
               <a:ext uri="{FF2B5EF4-FFF2-40B4-BE49-F238E27FC236}">
-                <a16:creationId xmlns:a16="http://schemas.microsoft.com/office/drawing/2014/main" id="{DDEE8154-CBDE-4D19-964B-88BC21B7278D}"/>
+                <a16:creationId xmlns:a16="http://schemas.microsoft.com/office/drawing/2014/main" xmlns="" id="{DDEE8154-CBDE-4D19-964B-88BC21B7278D}"/>
               </a:ext>
             </a:extLst>
           </p:cNvPr>
@@ -10586,7 +12586,7 @@
             <p:cNvPr id="23" name="TextBox 9">
               <a:extLst>
                 <a:ext uri="{FF2B5EF4-FFF2-40B4-BE49-F238E27FC236}">
-                  <a16:creationId xmlns:a16="http://schemas.microsoft.com/office/drawing/2014/main" id="{84D1D126-DFDD-4B45-B5DE-4A12580606B1}"/>
+                  <a16:creationId xmlns:a16="http://schemas.microsoft.com/office/drawing/2014/main" xmlns="" id="{84D1D126-DFDD-4B45-B5DE-4A12580606B1}"/>
                 </a:ext>
               </a:extLst>
             </p:cNvPr>
@@ -10609,7 +12609,7 @@
             <a:effectLst/>
             <a:extLst>
               <a:ext uri="{C572A759-6A51-4108-AA02-DFA0A04FC94B}">
-                <ma14:wrappingTextBoxFlag xmlns:ma14="http://schemas.microsoft.com/office/mac/drawingml/2011/main" xmlns:a14="http://schemas.microsoft.com/office/drawing/2010/main" xmlns:m="http://schemas.openxmlformats.org/officeDocument/2006/math" xmlns="" val="1"/>
+                <ma14:wrappingTextBoxFlag xmlns="" xmlns:m="http://schemas.openxmlformats.org/officeDocument/2006/math" xmlns:a14="http://schemas.microsoft.com/office/drawing/2010/main" xmlns:ma14="http://schemas.microsoft.com/office/mac/drawingml/2011/main" val="1"/>
               </a:ext>
             </a:extLst>
           </p:spPr>
@@ -10653,7 +12653,7 @@
             <p:cNvPr id="24" name="TextBox 10">
               <a:extLst>
                 <a:ext uri="{FF2B5EF4-FFF2-40B4-BE49-F238E27FC236}">
-                  <a16:creationId xmlns:a16="http://schemas.microsoft.com/office/drawing/2014/main" id="{24B88C83-70B4-4111-82EC-3B19CE421C62}"/>
+                  <a16:creationId xmlns:a16="http://schemas.microsoft.com/office/drawing/2014/main" xmlns="" id="{24B88C83-70B4-4111-82EC-3B19CE421C62}"/>
                 </a:ext>
               </a:extLst>
             </p:cNvPr>
@@ -10676,7 +12676,7 @@
             <a:effectLst/>
             <a:extLst>
               <a:ext uri="{C572A759-6A51-4108-AA02-DFA0A04FC94B}">
-                <ma14:wrappingTextBoxFlag xmlns:ma14="http://schemas.microsoft.com/office/mac/drawingml/2011/main" xmlns:a14="http://schemas.microsoft.com/office/drawing/2010/main" xmlns:m="http://schemas.openxmlformats.org/officeDocument/2006/math" xmlns="" val="1"/>
+                <ma14:wrappingTextBoxFlag xmlns="" xmlns:m="http://schemas.openxmlformats.org/officeDocument/2006/math" xmlns:a14="http://schemas.microsoft.com/office/drawing/2010/main" xmlns:ma14="http://schemas.microsoft.com/office/mac/drawingml/2011/main" val="1"/>
               </a:ext>
             </a:extLst>
           </p:spPr>
@@ -10727,7 +12727,7 @@
           <p:cNvPr id="2" name="화살표: 갈매기형 수장 1">
             <a:extLst>
               <a:ext uri="{FF2B5EF4-FFF2-40B4-BE49-F238E27FC236}">
-                <a16:creationId xmlns:a16="http://schemas.microsoft.com/office/drawing/2014/main" id="{93A1214B-71F3-4BF6-BFF8-738A89681EAF}"/>
+                <a16:creationId xmlns:a16="http://schemas.microsoft.com/office/drawing/2014/main" xmlns="" id="{93A1214B-71F3-4BF6-BFF8-738A89681EAF}"/>
               </a:ext>
             </a:extLst>
           </p:cNvPr>
@@ -10811,7 +12811,7 @@
           <p:cNvPr id="27" name="화살표: 갈매기형 수장 26">
             <a:extLst>
               <a:ext uri="{FF2B5EF4-FFF2-40B4-BE49-F238E27FC236}">
-                <a16:creationId xmlns:a16="http://schemas.microsoft.com/office/drawing/2014/main" id="{BEA500CF-B262-4314-AE49-0A409AB3F96E}"/>
+                <a16:creationId xmlns:a16="http://schemas.microsoft.com/office/drawing/2014/main" xmlns="" id="{BEA500CF-B262-4314-AE49-0A409AB3F96E}"/>
               </a:ext>
             </a:extLst>
           </p:cNvPr>
@@ -10895,7 +12895,7 @@
           <p:cNvPr id="4" name="TextBox 3">
             <a:extLst>
               <a:ext uri="{FF2B5EF4-FFF2-40B4-BE49-F238E27FC236}">
-                <a16:creationId xmlns:a16="http://schemas.microsoft.com/office/drawing/2014/main" id="{89B2C441-4CA4-49D1-8DBC-C13A490AC952}"/>
+                <a16:creationId xmlns:a16="http://schemas.microsoft.com/office/drawing/2014/main" xmlns="" id="{89B2C441-4CA4-49D1-8DBC-C13A490AC952}"/>
               </a:ext>
             </a:extLst>
           </p:cNvPr>
@@ -11048,7 +13048,7 @@
           <p:cNvPr id="30" name="다이아몬드 22">
             <a:extLst>
               <a:ext uri="{FF2B5EF4-FFF2-40B4-BE49-F238E27FC236}">
-                <a16:creationId xmlns:a16="http://schemas.microsoft.com/office/drawing/2014/main" id="{45A060B8-B9DE-417D-BD84-5ABF58A038CF}"/>
+                <a16:creationId xmlns:a16="http://schemas.microsoft.com/office/drawing/2014/main" xmlns="" id="{45A060B8-B9DE-417D-BD84-5ABF58A038CF}"/>
               </a:ext>
             </a:extLst>
           </p:cNvPr>
@@ -11092,7 +13092,7 @@
           <p:cNvPr id="31" name="TextBox 20">
             <a:extLst>
               <a:ext uri="{FF2B5EF4-FFF2-40B4-BE49-F238E27FC236}">
-                <a16:creationId xmlns:a16="http://schemas.microsoft.com/office/drawing/2014/main" id="{A2787C4A-F488-4B05-B31E-579F49BBD0E5}"/>
+                <a16:creationId xmlns:a16="http://schemas.microsoft.com/office/drawing/2014/main" xmlns="" id="{A2787C4A-F488-4B05-B31E-579F49BBD0E5}"/>
               </a:ext>
             </a:extLst>
           </p:cNvPr>
@@ -11112,7 +13112,7 @@
           </a:ln>
           <a:extLst>
             <a:ext uri="{C572A759-6A51-4108-AA02-DFA0A04FC94B}">
-              <ma14:wrappingTextBoxFlag xmlns:ma14="http://schemas.microsoft.com/office/mac/drawingml/2011/main" xmlns:a14="http://schemas.microsoft.com/office/drawing/2010/main" xmlns:m="http://schemas.openxmlformats.org/officeDocument/2006/math" xmlns="" val="1"/>
+              <ma14:wrappingTextBoxFlag xmlns="" xmlns:m="http://schemas.openxmlformats.org/officeDocument/2006/math" xmlns:a14="http://schemas.microsoft.com/office/drawing/2010/main" xmlns:ma14="http://schemas.microsoft.com/office/mac/drawingml/2011/main" val="1"/>
             </a:ext>
           </a:extLst>
         </p:spPr>
@@ -11331,7 +13331,7 @@
           <p:cNvPr id="34" name="다이아몬드 22">
             <a:extLst>
               <a:ext uri="{FF2B5EF4-FFF2-40B4-BE49-F238E27FC236}">
-                <a16:creationId xmlns:a16="http://schemas.microsoft.com/office/drawing/2014/main" id="{68F85ED5-6BEA-4167-8A68-95CF1A4C2350}"/>
+                <a16:creationId xmlns:a16="http://schemas.microsoft.com/office/drawing/2014/main" xmlns="" id="{68F85ED5-6BEA-4167-8A68-95CF1A4C2350}"/>
               </a:ext>
             </a:extLst>
           </p:cNvPr>
@@ -11375,7 +13375,7 @@
           <p:cNvPr id="35" name="TextBox 20">
             <a:extLst>
               <a:ext uri="{FF2B5EF4-FFF2-40B4-BE49-F238E27FC236}">
-                <a16:creationId xmlns:a16="http://schemas.microsoft.com/office/drawing/2014/main" id="{325B37FC-90BE-4844-AEB1-2F057DF9A987}"/>
+                <a16:creationId xmlns:a16="http://schemas.microsoft.com/office/drawing/2014/main" xmlns="" id="{325B37FC-90BE-4844-AEB1-2F057DF9A987}"/>
               </a:ext>
             </a:extLst>
           </p:cNvPr>
@@ -11395,7 +13395,7 @@
           </a:ln>
           <a:extLst>
             <a:ext uri="{C572A759-6A51-4108-AA02-DFA0A04FC94B}">
-              <ma14:wrappingTextBoxFlag xmlns:ma14="http://schemas.microsoft.com/office/mac/drawingml/2011/main" xmlns:a14="http://schemas.microsoft.com/office/drawing/2010/main" xmlns:m="http://schemas.openxmlformats.org/officeDocument/2006/math" xmlns="" val="1"/>
+              <ma14:wrappingTextBoxFlag xmlns="" xmlns:m="http://schemas.openxmlformats.org/officeDocument/2006/math" xmlns:a14="http://schemas.microsoft.com/office/drawing/2010/main" xmlns:ma14="http://schemas.microsoft.com/office/mac/drawingml/2011/main" val="1"/>
             </a:ext>
           </a:extLst>
         </p:spPr>
@@ -11563,7 +13563,7 @@
           <p:cNvPr id="36" name="화살표: 갈매기형 수장 35">
             <a:extLst>
               <a:ext uri="{FF2B5EF4-FFF2-40B4-BE49-F238E27FC236}">
-                <a16:creationId xmlns:a16="http://schemas.microsoft.com/office/drawing/2014/main" id="{1CAB094A-6B9C-4414-85CB-6C90D6CBE76F}"/>
+                <a16:creationId xmlns:a16="http://schemas.microsoft.com/office/drawing/2014/main" xmlns="" id="{1CAB094A-6B9C-4414-85CB-6C90D6CBE76F}"/>
               </a:ext>
             </a:extLst>
           </p:cNvPr>
@@ -11647,7 +13647,7 @@
           <p:cNvPr id="37" name="TextBox 36">
             <a:extLst>
               <a:ext uri="{FF2B5EF4-FFF2-40B4-BE49-F238E27FC236}">
-                <a16:creationId xmlns:a16="http://schemas.microsoft.com/office/drawing/2014/main" id="{1B8D41C4-144F-4D80-A3A4-13B6BED9BA6E}"/>
+                <a16:creationId xmlns:a16="http://schemas.microsoft.com/office/drawing/2014/main" xmlns="" id="{1B8D41C4-144F-4D80-A3A4-13B6BED9BA6E}"/>
               </a:ext>
             </a:extLst>
           </p:cNvPr>
@@ -11818,7 +13818,7 @@
           <p:cNvPr id="38" name="TextBox 37">
             <a:extLst>
               <a:ext uri="{FF2B5EF4-FFF2-40B4-BE49-F238E27FC236}">
-                <a16:creationId xmlns:a16="http://schemas.microsoft.com/office/drawing/2014/main" id="{5398B4AE-16C1-4464-A43C-F82FCB77AC45}"/>
+                <a16:creationId xmlns:a16="http://schemas.microsoft.com/office/drawing/2014/main" xmlns="" id="{5398B4AE-16C1-4464-A43C-F82FCB77AC45}"/>
               </a:ext>
             </a:extLst>
           </p:cNvPr>
